--- a/Data Insights.Targeting high value customers based on customer demographics and attributes/Module_2_Template_slide.pptx
+++ b/Data Insights.Targeting high value customers based on customer demographics and attributes/Module_2_Template_slide.pptx
@@ -2,22 +2,22 @@
 <file path=ppt/presentation.xml><?xml version="1.0" encoding="utf-8"?>
 <p:presentation xmlns:a="http://schemas.openxmlformats.org/drawingml/2006/main" xmlns:r="http://schemas.openxmlformats.org/officeDocument/2006/relationships" xmlns:p="http://schemas.openxmlformats.org/presentationml/2006/main">
   <p:sldMasterIdLst>
-    <p:sldMasterId id="2147483648" r:id="rId5"/>
+    <p:sldMasterId id="2147483648" r:id="rId1"/>
   </p:sldMasterIdLst>
   <p:notesMasterIdLst>
-    <p:notesMasterId r:id="rId7"/>
+    <p:notesMasterId r:id="rId10"/>
   </p:notesMasterIdLst>
   <p:sldIdLst>
-    <p:sldId id="256" r:id="rId8"/>
-    <p:sldId id="257" r:id="rId9"/>
-    <p:sldId id="258" r:id="rId10"/>
-    <p:sldId id="259" r:id="rId11"/>
-    <p:sldId id="260" r:id="rId12"/>
-    <p:sldId id="261" r:id="rId13"/>
-    <p:sldId id="262" r:id="rId14"/>
-    <p:sldId id="263" r:id="rId15"/>
+    <p:sldId id="256" r:id="rId2"/>
+    <p:sldId id="257" r:id="rId3"/>
+    <p:sldId id="258" r:id="rId4"/>
+    <p:sldId id="259" r:id="rId5"/>
+    <p:sldId id="260" r:id="rId6"/>
+    <p:sldId id="261" r:id="rId7"/>
+    <p:sldId id="262" r:id="rId8"/>
+    <p:sldId id="263" r:id="rId9"/>
   </p:sldIdLst>
-  <p:sldSz cx="9144000" cy="5143500"/>
+  <p:sldSz cx="9144000" cy="5143500" type="screen16x9"/>
   <p:notesSz cx="6858000" cy="9144000"/>
   <p:defaultTextStyle>
     <a:defPPr marL="0" marR="0" indent="0" algn="l" defTabSz="914400" rtl="0" fontAlgn="auto" latinLnBrk="1" hangingPunct="0">
@@ -35,7 +35,7 @@
       <a:buFontTx/>
       <a:buNone/>
       <a:tabLst/>
-      <a:defRPr b="0" baseline="0" cap="none" i="0" spc="0" strike="noStrike" sz="1800" u="none" kumimoji="0" normalizeH="0">
+      <a:defRPr kumimoji="0" sz="1800" b="0" i="0" u="none" strike="noStrike" cap="none" spc="0" normalizeH="0" baseline="0">
         <a:ln>
           <a:noFill/>
         </a:ln>
@@ -61,7 +61,7 @@
       <a:buFontTx/>
       <a:buNone/>
       <a:tabLst/>
-      <a:defRPr b="0" baseline="0" cap="none" i="0" spc="0" strike="noStrike" sz="1400" u="none" kumimoji="0" normalizeH="0">
+      <a:defRPr kumimoji="0" sz="1400" b="0" i="0" u="none" strike="noStrike" cap="none" spc="0" normalizeH="0" baseline="0">
         <a:ln>
           <a:noFill/>
         </a:ln>
@@ -91,7 +91,7 @@
       <a:buFontTx/>
       <a:buNone/>
       <a:tabLst/>
-      <a:defRPr b="0" baseline="0" cap="none" i="0" spc="0" strike="noStrike" sz="1400" u="none" kumimoji="0" normalizeH="0">
+      <a:defRPr kumimoji="0" sz="1400" b="0" i="0" u="none" strike="noStrike" cap="none" spc="0" normalizeH="0" baseline="0">
         <a:ln>
           <a:noFill/>
         </a:ln>
@@ -121,7 +121,7 @@
       <a:buFontTx/>
       <a:buNone/>
       <a:tabLst/>
-      <a:defRPr b="0" baseline="0" cap="none" i="0" spc="0" strike="noStrike" sz="1400" u="none" kumimoji="0" normalizeH="0">
+      <a:defRPr kumimoji="0" sz="1400" b="0" i="0" u="none" strike="noStrike" cap="none" spc="0" normalizeH="0" baseline="0">
         <a:ln>
           <a:noFill/>
         </a:ln>
@@ -151,7 +151,7 @@
       <a:buFontTx/>
       <a:buNone/>
       <a:tabLst/>
-      <a:defRPr b="0" baseline="0" cap="none" i="0" spc="0" strike="noStrike" sz="1400" u="none" kumimoji="0" normalizeH="0">
+      <a:defRPr kumimoji="0" sz="1400" b="0" i="0" u="none" strike="noStrike" cap="none" spc="0" normalizeH="0" baseline="0">
         <a:ln>
           <a:noFill/>
         </a:ln>
@@ -181,7 +181,7 @@
       <a:buFontTx/>
       <a:buNone/>
       <a:tabLst/>
-      <a:defRPr b="0" baseline="0" cap="none" i="0" spc="0" strike="noStrike" sz="1400" u="none" kumimoji="0" normalizeH="0">
+      <a:defRPr kumimoji="0" sz="1400" b="0" i="0" u="none" strike="noStrike" cap="none" spc="0" normalizeH="0" baseline="0">
         <a:ln>
           <a:noFill/>
         </a:ln>
@@ -211,7 +211,7 @@
       <a:buFontTx/>
       <a:buNone/>
       <a:tabLst/>
-      <a:defRPr b="0" baseline="0" cap="none" i="0" spc="0" strike="noStrike" sz="1400" u="none" kumimoji="0" normalizeH="0">
+      <a:defRPr kumimoji="0" sz="1400" b="0" i="0" u="none" strike="noStrike" cap="none" spc="0" normalizeH="0" baseline="0">
         <a:ln>
           <a:noFill/>
         </a:ln>
@@ -241,7 +241,7 @@
       <a:buFontTx/>
       <a:buNone/>
       <a:tabLst/>
-      <a:defRPr b="0" baseline="0" cap="none" i="0" spc="0" strike="noStrike" sz="1400" u="none" kumimoji="0" normalizeH="0">
+      <a:defRPr kumimoji="0" sz="1400" b="0" i="0" u="none" strike="noStrike" cap="none" spc="0" normalizeH="0" baseline="0">
         <a:ln>
           <a:noFill/>
         </a:ln>
@@ -271,7 +271,7 @@
       <a:buFontTx/>
       <a:buNone/>
       <a:tabLst/>
-      <a:defRPr b="0" baseline="0" cap="none" i="0" spc="0" strike="noStrike" sz="1400" u="none" kumimoji="0" normalizeH="0">
+      <a:defRPr kumimoji="0" sz="1400" b="0" i="0" u="none" strike="noStrike" cap="none" spc="0" normalizeH="0" baseline="0">
         <a:ln>
           <a:noFill/>
         </a:ln>
@@ -301,7 +301,7 @@
       <a:buFontTx/>
       <a:buNone/>
       <a:tabLst/>
-      <a:defRPr b="0" baseline="0" cap="none" i="0" spc="0" strike="noStrike" sz="1400" u="none" kumimoji="0" normalizeH="0">
+      <a:defRPr kumimoji="0" sz="1400" b="0" i="0" u="none" strike="noStrike" cap="none" spc="0" normalizeH="0" baseline="0">
         <a:ln>
           <a:noFill/>
         </a:ln>
@@ -320,13 +320,14 @@
 </p:presentation>
 </file>
 
-<file path=ppt/commentAuthors.xml><?xml version="1.0" encoding="utf-8"?>
-<p:cmAuthorLst xmlns:a="http://schemas.openxmlformats.org/drawingml/2006/main" xmlns:r="http://schemas.openxmlformats.org/officeDocument/2006/relationships" xmlns:p="http://schemas.openxmlformats.org/presentationml/2006/main"/>
-</file>
-
 <file path=ppt/notesMasters/notesMaster1.xml><?xml version="1.0" encoding="utf-8"?>
 <p:notesMaster xmlns:a="http://schemas.openxmlformats.org/drawingml/2006/main" xmlns:r="http://schemas.openxmlformats.org/officeDocument/2006/relationships" xmlns:p="http://schemas.openxmlformats.org/presentationml/2006/main">
   <p:cSld>
+    <p:bg>
+      <p:bgRef idx="1001">
+        <a:schemeClr val="bg1"/>
+      </p:bgRef>
+    </p:bg>
     <p:spTree>
       <p:nvGrpSpPr>
         <p:cNvPr id="1" name=""/>
@@ -344,7 +345,9 @@
       <p:sp>
         <p:nvSpPr>
           <p:cNvPr id="106" name="Shape 106"/>
-          <p:cNvSpPr/>
+          <p:cNvSpPr>
+            <a:spLocks noGrp="1" noRot="1" noChangeAspect="1"/>
+          </p:cNvSpPr>
           <p:nvPr>
             <p:ph type="sldImg"/>
           </p:nvPr>
@@ -362,14 +365,16 @@
           <a:bodyPr/>
           <a:lstStyle/>
           <a:p>
-            <a:pPr/>
+            <a:endParaRPr/>
           </a:p>
         </p:txBody>
       </p:sp>
       <p:sp>
         <p:nvSpPr>
           <p:cNvPr id="107" name="Shape 107"/>
-          <p:cNvSpPr/>
+          <p:cNvSpPr>
+            <a:spLocks noGrp="1"/>
+          </p:cNvSpPr>
           <p:nvPr>
             <p:ph type="body" sz="quarter" idx="1"/>
           </p:nvPr>
@@ -387,7 +392,7 @@
           <a:bodyPr/>
           <a:lstStyle/>
           <a:p>
-            <a:pPr/>
+            <a:endParaRPr/>
           </a:p>
         </p:txBody>
       </p:sp>
@@ -472,7 +477,7 @@
 </file>
 
 <file path=ppt/slideLayouts/slideLayout1.xml><?xml version="1.0" encoding="utf-8"?>
-<p:sldLayout xmlns:a="http://schemas.openxmlformats.org/drawingml/2006/main" xmlns:r="http://schemas.openxmlformats.org/officeDocument/2006/relationships" xmlns:p="http://schemas.openxmlformats.org/presentationml/2006/main" type="title" showMasterSp="1" showMasterPhAnim="1">
+<p:sldLayout xmlns:a="http://schemas.openxmlformats.org/drawingml/2006/main" xmlns:r="http://schemas.openxmlformats.org/officeDocument/2006/relationships" xmlns:p="http://schemas.openxmlformats.org/presentationml/2006/main" type="title">
   <p:cSld name="TITLE">
     <p:spTree>
       <p:nvGrpSpPr>
@@ -491,7 +496,9 @@
       <p:sp>
         <p:nvSpPr>
           <p:cNvPr id="11" name="Title Text"/>
-          <p:cNvSpPr/>
+          <p:cNvSpPr>
+            <a:spLocks noGrp="1"/>
+          </p:cNvSpPr>
           <p:nvPr>
             <p:ph type="title"/>
           </p:nvPr>
@@ -513,7 +520,6 @@
             </a:lvl1pPr>
           </a:lstStyle>
           <a:p>
-            <a:pPr/>
             <a:r>
               <a:t>Title Text</a:t>
             </a:r>
@@ -523,7 +529,9 @@
       <p:sp>
         <p:nvSpPr>
           <p:cNvPr id="12" name="Body Level One…"/>
-          <p:cNvSpPr/>
+          <p:cNvSpPr>
+            <a:spLocks noGrp="1"/>
+          </p:cNvSpPr>
           <p:nvPr>
             <p:ph type="body" sz="quarter" idx="1"/>
           </p:nvPr>
@@ -592,7 +600,6 @@
             </a:lvl5pPr>
           </a:lstStyle>
           <a:p>
-            <a:pPr/>
             <a:r>
               <a:t>Body Level One</a:t>
             </a:r>
@@ -626,7 +633,9 @@
       <p:sp>
         <p:nvSpPr>
           <p:cNvPr id="13" name="Slide Number"/>
-          <p:cNvSpPr/>
+          <p:cNvSpPr>
+            <a:spLocks noGrp="1"/>
+          </p:cNvSpPr>
           <p:nvPr>
             <p:ph type="sldNum" sz="quarter" idx="2"/>
           </p:nvPr>
@@ -640,8 +649,12 @@
           <a:bodyPr/>
           <a:lstStyle/>
           <a:p>
-            <a:pPr/>
-            <a:fld id="{86CB4B4D-7CA3-9044-876B-883B54F8677D}" type="slidenum"/>
+            <a:fld id="{86CB4B4D-7CA3-9044-876B-883B54F8677D}" type="slidenum">
+              <a:rPr/>
+              <a:pPr/>
+              <a:t>‹#›</a:t>
+            </a:fld>
+            <a:endParaRPr/>
           </a:p>
         </p:txBody>
       </p:sp>
@@ -650,12 +663,12 @@
   <p:clrMapOvr>
     <a:masterClrMapping/>
   </p:clrMapOvr>
-  <p:transition xmlns:p14="http://schemas.microsoft.com/office/powerpoint/2010/main" spd="med" advClick="1"/>
+  <p:transition spd="med"/>
 </p:sldLayout>
 </file>
 
 <file path=ppt/slideLayouts/slideLayout10.xml><?xml version="1.0" encoding="utf-8"?>
-<p:sldLayout xmlns:a="http://schemas.openxmlformats.org/drawingml/2006/main" xmlns:r="http://schemas.openxmlformats.org/officeDocument/2006/relationships" xmlns:p="http://schemas.openxmlformats.org/presentationml/2006/main" type="tx" showMasterSp="1" showMasterPhAnim="1">
+<p:sldLayout xmlns:a="http://schemas.openxmlformats.org/drawingml/2006/main" xmlns:r="http://schemas.openxmlformats.org/officeDocument/2006/relationships" xmlns:p="http://schemas.openxmlformats.org/presentationml/2006/main" type="tx">
   <p:cSld name="BIG_NUMBER">
     <p:spTree>
       <p:nvGrpSpPr>
@@ -674,7 +687,9 @@
       <p:sp>
         <p:nvSpPr>
           <p:cNvPr id="91" name="Title Text"/>
-          <p:cNvSpPr/>
+          <p:cNvSpPr>
+            <a:spLocks noGrp="1"/>
+          </p:cNvSpPr>
           <p:nvPr>
             <p:ph type="title"/>
           </p:nvPr>
@@ -696,7 +711,6 @@
             </a:lvl1pPr>
           </a:lstStyle>
           <a:p>
-            <a:pPr/>
             <a:r>
               <a:t>Title Text</a:t>
             </a:r>
@@ -706,7 +720,9 @@
       <p:sp>
         <p:nvSpPr>
           <p:cNvPr id="92" name="Body Level One…"/>
-          <p:cNvSpPr/>
+          <p:cNvSpPr>
+            <a:spLocks noGrp="1"/>
+          </p:cNvSpPr>
           <p:nvPr>
             <p:ph type="body" sz="half" idx="1"/>
           </p:nvPr>
@@ -730,7 +746,6 @@
             <a:lvl5pPr algn="ctr"/>
           </a:lstStyle>
           <a:p>
-            <a:pPr/>
             <a:r>
               <a:t>Body Level One</a:t>
             </a:r>
@@ -764,7 +779,9 @@
       <p:sp>
         <p:nvSpPr>
           <p:cNvPr id="93" name="Slide Number"/>
-          <p:cNvSpPr/>
+          <p:cNvSpPr>
+            <a:spLocks noGrp="1"/>
+          </p:cNvSpPr>
           <p:nvPr>
             <p:ph type="sldNum" sz="quarter" idx="2"/>
           </p:nvPr>
@@ -778,8 +795,12 @@
           <a:bodyPr/>
           <a:lstStyle/>
           <a:p>
-            <a:pPr/>
-            <a:fld id="{86CB4B4D-7CA3-9044-876B-883B54F8677D}" type="slidenum"/>
+            <a:fld id="{86CB4B4D-7CA3-9044-876B-883B54F8677D}" type="slidenum">
+              <a:rPr/>
+              <a:pPr/>
+              <a:t>‹#›</a:t>
+            </a:fld>
+            <a:endParaRPr/>
           </a:p>
         </p:txBody>
       </p:sp>
@@ -788,12 +809,12 @@
   <p:clrMapOvr>
     <a:masterClrMapping/>
   </p:clrMapOvr>
-  <p:transition xmlns:p14="http://schemas.microsoft.com/office/powerpoint/2010/main" spd="med" advClick="1"/>
+  <p:transition spd="med"/>
 </p:sldLayout>
 </file>
 
 <file path=ppt/slideLayouts/slideLayout11.xml><?xml version="1.0" encoding="utf-8"?>
-<p:sldLayout xmlns:a="http://schemas.openxmlformats.org/drawingml/2006/main" xmlns:r="http://schemas.openxmlformats.org/officeDocument/2006/relationships" xmlns:p="http://schemas.openxmlformats.org/presentationml/2006/main" type="tx" showMasterSp="1" showMasterPhAnim="1">
+<p:sldLayout xmlns:a="http://schemas.openxmlformats.org/drawingml/2006/main" xmlns:r="http://schemas.openxmlformats.org/officeDocument/2006/relationships" xmlns:p="http://schemas.openxmlformats.org/presentationml/2006/main" type="tx">
   <p:cSld name="BLANK">
     <p:spTree>
       <p:nvGrpSpPr>
@@ -812,7 +833,9 @@
       <p:sp>
         <p:nvSpPr>
           <p:cNvPr id="100" name="Slide Number"/>
-          <p:cNvSpPr/>
+          <p:cNvSpPr>
+            <a:spLocks noGrp="1"/>
+          </p:cNvSpPr>
           <p:nvPr>
             <p:ph type="sldNum" sz="quarter" idx="2"/>
           </p:nvPr>
@@ -826,8 +849,12 @@
           <a:bodyPr/>
           <a:lstStyle/>
           <a:p>
-            <a:pPr/>
-            <a:fld id="{86CB4B4D-7CA3-9044-876B-883B54F8677D}" type="slidenum"/>
+            <a:fld id="{86CB4B4D-7CA3-9044-876B-883B54F8677D}" type="slidenum">
+              <a:rPr/>
+              <a:pPr/>
+              <a:t>‹#›</a:t>
+            </a:fld>
+            <a:endParaRPr/>
           </a:p>
         </p:txBody>
       </p:sp>
@@ -836,12 +863,12 @@
   <p:clrMapOvr>
     <a:masterClrMapping/>
   </p:clrMapOvr>
-  <p:transition xmlns:p14="http://schemas.microsoft.com/office/powerpoint/2010/main" spd="med" advClick="1"/>
+  <p:transition spd="med"/>
 </p:sldLayout>
 </file>
 
 <file path=ppt/slideLayouts/slideLayout2.xml><?xml version="1.0" encoding="utf-8"?>
-<p:sldLayout xmlns:a="http://schemas.openxmlformats.org/drawingml/2006/main" xmlns:r="http://schemas.openxmlformats.org/officeDocument/2006/relationships" xmlns:p="http://schemas.openxmlformats.org/presentationml/2006/main" type="tx" showMasterSp="1" showMasterPhAnim="1">
+<p:sldLayout xmlns:a="http://schemas.openxmlformats.org/drawingml/2006/main" xmlns:r="http://schemas.openxmlformats.org/officeDocument/2006/relationships" xmlns:p="http://schemas.openxmlformats.org/presentationml/2006/main" type="tx">
   <p:cSld name="SECTION_HEADER">
     <p:spTree>
       <p:nvGrpSpPr>
@@ -860,7 +887,9 @@
       <p:sp>
         <p:nvSpPr>
           <p:cNvPr id="20" name="Title Text"/>
-          <p:cNvSpPr/>
+          <p:cNvSpPr>
+            <a:spLocks noGrp="1"/>
+          </p:cNvSpPr>
           <p:nvPr>
             <p:ph type="title"/>
           </p:nvPr>
@@ -882,7 +911,6 @@
             </a:lvl1pPr>
           </a:lstStyle>
           <a:p>
-            <a:pPr/>
             <a:r>
               <a:t>Title Text</a:t>
             </a:r>
@@ -892,7 +920,9 @@
       <p:sp>
         <p:nvSpPr>
           <p:cNvPr id="21" name="Slide Number"/>
-          <p:cNvSpPr/>
+          <p:cNvSpPr>
+            <a:spLocks noGrp="1"/>
+          </p:cNvSpPr>
           <p:nvPr>
             <p:ph type="sldNum" sz="quarter" idx="2"/>
           </p:nvPr>
@@ -906,8 +936,12 @@
           <a:bodyPr/>
           <a:lstStyle/>
           <a:p>
-            <a:pPr/>
-            <a:fld id="{86CB4B4D-7CA3-9044-876B-883B54F8677D}" type="slidenum"/>
+            <a:fld id="{86CB4B4D-7CA3-9044-876B-883B54F8677D}" type="slidenum">
+              <a:rPr/>
+              <a:pPr/>
+              <a:t>‹#›</a:t>
+            </a:fld>
+            <a:endParaRPr/>
           </a:p>
         </p:txBody>
       </p:sp>
@@ -916,12 +950,12 @@
   <p:clrMapOvr>
     <a:masterClrMapping/>
   </p:clrMapOvr>
-  <p:transition xmlns:p14="http://schemas.microsoft.com/office/powerpoint/2010/main" spd="med" advClick="1"/>
+  <p:transition spd="med"/>
 </p:sldLayout>
 </file>
 
 <file path=ppt/slideLayouts/slideLayout3.xml><?xml version="1.0" encoding="utf-8"?>
-<p:sldLayout xmlns:a="http://schemas.openxmlformats.org/drawingml/2006/main" xmlns:r="http://schemas.openxmlformats.org/officeDocument/2006/relationships" xmlns:p="http://schemas.openxmlformats.org/presentationml/2006/main" type="tx" showMasterSp="1" showMasterPhAnim="1">
+<p:sldLayout xmlns:a="http://schemas.openxmlformats.org/drawingml/2006/main" xmlns:r="http://schemas.openxmlformats.org/officeDocument/2006/relationships" xmlns:p="http://schemas.openxmlformats.org/presentationml/2006/main" type="tx">
   <p:cSld name="TITLE_AND_BODY">
     <p:spTree>
       <p:nvGrpSpPr>
@@ -940,7 +974,9 @@
       <p:sp>
         <p:nvSpPr>
           <p:cNvPr id="28" name="Title Text"/>
-          <p:cNvSpPr/>
+          <p:cNvSpPr>
+            <a:spLocks noGrp="1"/>
+          </p:cNvSpPr>
           <p:nvPr>
             <p:ph type="title"/>
           </p:nvPr>
@@ -954,7 +990,6 @@
           <a:bodyPr/>
           <a:lstStyle/>
           <a:p>
-            <a:pPr/>
             <a:r>
               <a:t>Title Text</a:t>
             </a:r>
@@ -964,7 +999,9 @@
       <p:sp>
         <p:nvSpPr>
           <p:cNvPr id="29" name="Body Level One…"/>
-          <p:cNvSpPr/>
+          <p:cNvSpPr>
+            <a:spLocks noGrp="1"/>
+          </p:cNvSpPr>
           <p:nvPr>
             <p:ph type="body" idx="1"/>
           </p:nvPr>
@@ -978,7 +1015,6 @@
           <a:bodyPr/>
           <a:lstStyle/>
           <a:p>
-            <a:pPr/>
             <a:r>
               <a:t>Body Level One</a:t>
             </a:r>
@@ -1012,7 +1048,9 @@
       <p:sp>
         <p:nvSpPr>
           <p:cNvPr id="30" name="Slide Number"/>
-          <p:cNvSpPr/>
+          <p:cNvSpPr>
+            <a:spLocks noGrp="1"/>
+          </p:cNvSpPr>
           <p:nvPr>
             <p:ph type="sldNum" sz="quarter" idx="2"/>
           </p:nvPr>
@@ -1026,8 +1064,12 @@
           <a:bodyPr/>
           <a:lstStyle/>
           <a:p>
-            <a:pPr/>
-            <a:fld id="{86CB4B4D-7CA3-9044-876B-883B54F8677D}" type="slidenum"/>
+            <a:fld id="{86CB4B4D-7CA3-9044-876B-883B54F8677D}" type="slidenum">
+              <a:rPr/>
+              <a:pPr/>
+              <a:t>‹#›</a:t>
+            </a:fld>
+            <a:endParaRPr/>
           </a:p>
         </p:txBody>
       </p:sp>
@@ -1036,12 +1078,12 @@
   <p:clrMapOvr>
     <a:masterClrMapping/>
   </p:clrMapOvr>
-  <p:transition xmlns:p14="http://schemas.microsoft.com/office/powerpoint/2010/main" spd="med" advClick="1"/>
+  <p:transition spd="med"/>
 </p:sldLayout>
 </file>
 
 <file path=ppt/slideLayouts/slideLayout4.xml><?xml version="1.0" encoding="utf-8"?>
-<p:sldLayout xmlns:a="http://schemas.openxmlformats.org/drawingml/2006/main" xmlns:r="http://schemas.openxmlformats.org/officeDocument/2006/relationships" xmlns:p="http://schemas.openxmlformats.org/presentationml/2006/main" type="tx" showMasterSp="1" showMasterPhAnim="1">
+<p:sldLayout xmlns:a="http://schemas.openxmlformats.org/drawingml/2006/main" xmlns:r="http://schemas.openxmlformats.org/officeDocument/2006/relationships" xmlns:p="http://schemas.openxmlformats.org/presentationml/2006/main" type="tx">
   <p:cSld name="TITLE_AND_TWO_COLUMNS">
     <p:spTree>
       <p:nvGrpSpPr>
@@ -1060,7 +1102,9 @@
       <p:sp>
         <p:nvSpPr>
           <p:cNvPr id="37" name="Title Text"/>
-          <p:cNvSpPr/>
+          <p:cNvSpPr>
+            <a:spLocks noGrp="1"/>
+          </p:cNvSpPr>
           <p:nvPr>
             <p:ph type="title"/>
           </p:nvPr>
@@ -1074,7 +1118,6 @@
           <a:bodyPr/>
           <a:lstStyle/>
           <a:p>
-            <a:pPr/>
             <a:r>
               <a:t>Title Text</a:t>
             </a:r>
@@ -1084,7 +1127,9 @@
       <p:sp>
         <p:nvSpPr>
           <p:cNvPr id="38" name="Body Level One…"/>
-          <p:cNvSpPr/>
+          <p:cNvSpPr>
+            <a:spLocks noGrp="1"/>
+          </p:cNvSpPr>
           <p:nvPr>
             <p:ph type="body" sz="half" idx="1"/>
           </p:nvPr>
@@ -1123,7 +1168,6 @@
             </a:lvl5pPr>
           </a:lstStyle>
           <a:p>
-            <a:pPr/>
             <a:r>
               <a:t>Body Level One</a:t>
             </a:r>
@@ -1157,7 +1201,9 @@
       <p:sp>
         <p:nvSpPr>
           <p:cNvPr id="39" name="Shape 23"/>
-          <p:cNvSpPr/>
+          <p:cNvSpPr>
+            <a:spLocks noGrp="1"/>
+          </p:cNvSpPr>
           <p:nvPr>
             <p:ph type="body" sz="half" idx="13"/>
           </p:nvPr>
@@ -1179,13 +1225,16 @@
               <a:buSzPts val="1400"/>
               <a:defRPr sz="1400"/>
             </a:pPr>
+            <a:endParaRPr/>
           </a:p>
         </p:txBody>
       </p:sp>
       <p:sp>
         <p:nvSpPr>
           <p:cNvPr id="40" name="Slide Number"/>
-          <p:cNvSpPr/>
+          <p:cNvSpPr>
+            <a:spLocks noGrp="1"/>
+          </p:cNvSpPr>
           <p:nvPr>
             <p:ph type="sldNum" sz="quarter" idx="2"/>
           </p:nvPr>
@@ -1199,8 +1248,12 @@
           <a:bodyPr/>
           <a:lstStyle/>
           <a:p>
-            <a:pPr/>
-            <a:fld id="{86CB4B4D-7CA3-9044-876B-883B54F8677D}" type="slidenum"/>
+            <a:fld id="{86CB4B4D-7CA3-9044-876B-883B54F8677D}" type="slidenum">
+              <a:rPr/>
+              <a:pPr/>
+              <a:t>‹#›</a:t>
+            </a:fld>
+            <a:endParaRPr/>
           </a:p>
         </p:txBody>
       </p:sp>
@@ -1209,12 +1262,12 @@
   <p:clrMapOvr>
     <a:masterClrMapping/>
   </p:clrMapOvr>
-  <p:transition xmlns:p14="http://schemas.microsoft.com/office/powerpoint/2010/main" spd="med" advClick="1"/>
+  <p:transition spd="med"/>
 </p:sldLayout>
 </file>
 
 <file path=ppt/slideLayouts/slideLayout5.xml><?xml version="1.0" encoding="utf-8"?>
-<p:sldLayout xmlns:a="http://schemas.openxmlformats.org/drawingml/2006/main" xmlns:r="http://schemas.openxmlformats.org/officeDocument/2006/relationships" xmlns:p="http://schemas.openxmlformats.org/presentationml/2006/main" type="tx" showMasterSp="1" showMasterPhAnim="1">
+<p:sldLayout xmlns:a="http://schemas.openxmlformats.org/drawingml/2006/main" xmlns:r="http://schemas.openxmlformats.org/officeDocument/2006/relationships" xmlns:p="http://schemas.openxmlformats.org/presentationml/2006/main" type="tx">
   <p:cSld name="TITLE_ONLY">
     <p:spTree>
       <p:nvGrpSpPr>
@@ -1233,7 +1286,9 @@
       <p:sp>
         <p:nvSpPr>
           <p:cNvPr id="47" name="Title Text"/>
-          <p:cNvSpPr/>
+          <p:cNvSpPr>
+            <a:spLocks noGrp="1"/>
+          </p:cNvSpPr>
           <p:nvPr>
             <p:ph type="title"/>
           </p:nvPr>
@@ -1247,7 +1302,6 @@
           <a:bodyPr/>
           <a:lstStyle/>
           <a:p>
-            <a:pPr/>
             <a:r>
               <a:t>Title Text</a:t>
             </a:r>
@@ -1257,7 +1311,9 @@
       <p:sp>
         <p:nvSpPr>
           <p:cNvPr id="48" name="Slide Number"/>
-          <p:cNvSpPr/>
+          <p:cNvSpPr>
+            <a:spLocks noGrp="1"/>
+          </p:cNvSpPr>
           <p:nvPr>
             <p:ph type="sldNum" sz="quarter" idx="2"/>
           </p:nvPr>
@@ -1271,8 +1327,12 @@
           <a:bodyPr/>
           <a:lstStyle/>
           <a:p>
-            <a:pPr/>
-            <a:fld id="{86CB4B4D-7CA3-9044-876B-883B54F8677D}" type="slidenum"/>
+            <a:fld id="{86CB4B4D-7CA3-9044-876B-883B54F8677D}" type="slidenum">
+              <a:rPr/>
+              <a:pPr/>
+              <a:t>‹#›</a:t>
+            </a:fld>
+            <a:endParaRPr/>
           </a:p>
         </p:txBody>
       </p:sp>
@@ -1281,12 +1341,12 @@
   <p:clrMapOvr>
     <a:masterClrMapping/>
   </p:clrMapOvr>
-  <p:transition xmlns:p14="http://schemas.microsoft.com/office/powerpoint/2010/main" spd="med" advClick="1"/>
+  <p:transition spd="med"/>
 </p:sldLayout>
 </file>
 
 <file path=ppt/slideLayouts/slideLayout6.xml><?xml version="1.0" encoding="utf-8"?>
-<p:sldLayout xmlns:a="http://schemas.openxmlformats.org/drawingml/2006/main" xmlns:r="http://schemas.openxmlformats.org/officeDocument/2006/relationships" xmlns:p="http://schemas.openxmlformats.org/presentationml/2006/main" type="tx" showMasterSp="1" showMasterPhAnim="1">
+<p:sldLayout xmlns:a="http://schemas.openxmlformats.org/drawingml/2006/main" xmlns:r="http://schemas.openxmlformats.org/officeDocument/2006/relationships" xmlns:p="http://schemas.openxmlformats.org/presentationml/2006/main" type="tx">
   <p:cSld name="ONE_COLUMN_TEXT">
     <p:spTree>
       <p:nvGrpSpPr>
@@ -1305,7 +1365,9 @@
       <p:sp>
         <p:nvSpPr>
           <p:cNvPr id="55" name="Title Text"/>
-          <p:cNvSpPr/>
+          <p:cNvSpPr>
+            <a:spLocks noGrp="1"/>
+          </p:cNvSpPr>
           <p:nvPr>
             <p:ph type="title"/>
           </p:nvPr>
@@ -1327,7 +1389,6 @@
             </a:lvl1pPr>
           </a:lstStyle>
           <a:p>
-            <a:pPr/>
             <a:r>
               <a:t>Title Text</a:t>
             </a:r>
@@ -1337,7 +1398,9 @@
       <p:sp>
         <p:nvSpPr>
           <p:cNvPr id="56" name="Body Level One…"/>
-          <p:cNvSpPr/>
+          <p:cNvSpPr>
+            <a:spLocks noGrp="1"/>
+          </p:cNvSpPr>
           <p:nvPr>
             <p:ph type="body" sz="quarter" idx="1"/>
           </p:nvPr>
@@ -1376,7 +1439,6 @@
             </a:lvl5pPr>
           </a:lstStyle>
           <a:p>
-            <a:pPr/>
             <a:r>
               <a:t>Body Level One</a:t>
             </a:r>
@@ -1410,7 +1472,9 @@
       <p:sp>
         <p:nvSpPr>
           <p:cNvPr id="57" name="Slide Number"/>
-          <p:cNvSpPr/>
+          <p:cNvSpPr>
+            <a:spLocks noGrp="1"/>
+          </p:cNvSpPr>
           <p:nvPr>
             <p:ph type="sldNum" sz="quarter" idx="2"/>
           </p:nvPr>
@@ -1424,8 +1488,12 @@
           <a:bodyPr/>
           <a:lstStyle/>
           <a:p>
-            <a:pPr/>
-            <a:fld id="{86CB4B4D-7CA3-9044-876B-883B54F8677D}" type="slidenum"/>
+            <a:fld id="{86CB4B4D-7CA3-9044-876B-883B54F8677D}" type="slidenum">
+              <a:rPr/>
+              <a:pPr/>
+              <a:t>‹#›</a:t>
+            </a:fld>
+            <a:endParaRPr/>
           </a:p>
         </p:txBody>
       </p:sp>
@@ -1434,12 +1502,12 @@
   <p:clrMapOvr>
     <a:masterClrMapping/>
   </p:clrMapOvr>
-  <p:transition xmlns:p14="http://schemas.microsoft.com/office/powerpoint/2010/main" spd="med" advClick="1"/>
+  <p:transition spd="med"/>
 </p:sldLayout>
 </file>
 
 <file path=ppt/slideLayouts/slideLayout7.xml><?xml version="1.0" encoding="utf-8"?>
-<p:sldLayout xmlns:a="http://schemas.openxmlformats.org/drawingml/2006/main" xmlns:r="http://schemas.openxmlformats.org/officeDocument/2006/relationships" xmlns:p="http://schemas.openxmlformats.org/presentationml/2006/main" type="tx" showMasterSp="1" showMasterPhAnim="1">
+<p:sldLayout xmlns:a="http://schemas.openxmlformats.org/drawingml/2006/main" xmlns:r="http://schemas.openxmlformats.org/officeDocument/2006/relationships" xmlns:p="http://schemas.openxmlformats.org/presentationml/2006/main" type="tx">
   <p:cSld name="MAIN_POINT">
     <p:spTree>
       <p:nvGrpSpPr>
@@ -1458,7 +1526,9 @@
       <p:sp>
         <p:nvSpPr>
           <p:cNvPr id="64" name="Title Text"/>
-          <p:cNvSpPr/>
+          <p:cNvSpPr>
+            <a:spLocks noGrp="1"/>
+          </p:cNvSpPr>
           <p:nvPr>
             <p:ph type="title"/>
           </p:nvPr>
@@ -1480,7 +1550,6 @@
             </a:lvl1pPr>
           </a:lstStyle>
           <a:p>
-            <a:pPr/>
             <a:r>
               <a:t>Title Text</a:t>
             </a:r>
@@ -1490,7 +1559,9 @@
       <p:sp>
         <p:nvSpPr>
           <p:cNvPr id="65" name="Slide Number"/>
-          <p:cNvSpPr/>
+          <p:cNvSpPr>
+            <a:spLocks noGrp="1"/>
+          </p:cNvSpPr>
           <p:nvPr>
             <p:ph type="sldNum" sz="quarter" idx="2"/>
           </p:nvPr>
@@ -1504,8 +1575,12 @@
           <a:bodyPr/>
           <a:lstStyle/>
           <a:p>
-            <a:pPr/>
-            <a:fld id="{86CB4B4D-7CA3-9044-876B-883B54F8677D}" type="slidenum"/>
+            <a:fld id="{86CB4B4D-7CA3-9044-876B-883B54F8677D}" type="slidenum">
+              <a:rPr/>
+              <a:pPr/>
+              <a:t>‹#›</a:t>
+            </a:fld>
+            <a:endParaRPr/>
           </a:p>
         </p:txBody>
       </p:sp>
@@ -1514,12 +1589,12 @@
   <p:clrMapOvr>
     <a:masterClrMapping/>
   </p:clrMapOvr>
-  <p:transition xmlns:p14="http://schemas.microsoft.com/office/powerpoint/2010/main" spd="med" advClick="1"/>
+  <p:transition spd="med"/>
 </p:sldLayout>
 </file>
 
 <file path=ppt/slideLayouts/slideLayout8.xml><?xml version="1.0" encoding="utf-8"?>
-<p:sldLayout xmlns:a="http://schemas.openxmlformats.org/drawingml/2006/main" xmlns:r="http://schemas.openxmlformats.org/officeDocument/2006/relationships" xmlns:p="http://schemas.openxmlformats.org/presentationml/2006/main" type="tx" showMasterSp="1" showMasterPhAnim="1">
+<p:sldLayout xmlns:a="http://schemas.openxmlformats.org/drawingml/2006/main" xmlns:r="http://schemas.openxmlformats.org/officeDocument/2006/relationships" xmlns:p="http://schemas.openxmlformats.org/presentationml/2006/main" type="tx">
   <p:cSld name="SECTION_TITLE_AND_DESCRIPTION">
     <p:spTree>
       <p:nvGrpSpPr>
@@ -1560,14 +1635,16 @@
           <a:bodyPr lIns="45719" rIns="45719" anchor="ctr"/>
           <a:lstStyle/>
           <a:p>
-            <a:pPr/>
+            <a:endParaRPr/>
           </a:p>
         </p:txBody>
       </p:sp>
       <p:sp>
         <p:nvSpPr>
           <p:cNvPr id="73" name="Title Text"/>
-          <p:cNvSpPr/>
+          <p:cNvSpPr>
+            <a:spLocks noGrp="1"/>
+          </p:cNvSpPr>
           <p:nvPr>
             <p:ph type="title"/>
           </p:nvPr>
@@ -1589,7 +1666,6 @@
             </a:lvl1pPr>
           </a:lstStyle>
           <a:p>
-            <a:pPr/>
             <a:r>
               <a:t>Title Text</a:t>
             </a:r>
@@ -1599,7 +1675,9 @@
       <p:sp>
         <p:nvSpPr>
           <p:cNvPr id="74" name="Body Level One…"/>
-          <p:cNvSpPr/>
+          <p:cNvSpPr>
+            <a:spLocks noGrp="1"/>
+          </p:cNvSpPr>
           <p:nvPr>
             <p:ph type="body" sz="quarter" idx="1"/>
           </p:nvPr>
@@ -1668,7 +1746,6 @@
             </a:lvl5pPr>
           </a:lstStyle>
           <a:p>
-            <a:pPr/>
             <a:r>
               <a:t>Body Level One</a:t>
             </a:r>
@@ -1702,7 +1779,9 @@
       <p:sp>
         <p:nvSpPr>
           <p:cNvPr id="75" name="Shape 39"/>
-          <p:cNvSpPr/>
+          <p:cNvSpPr>
+            <a:spLocks noGrp="1"/>
+          </p:cNvSpPr>
           <p:nvPr>
             <p:ph type="body" sz="half" idx="13"/>
           </p:nvPr>
@@ -1720,14 +1799,16 @@
           <a:bodyPr anchor="ctr"/>
           <a:lstStyle/>
           <a:p>
-            <a:pPr/>
+            <a:endParaRPr/>
           </a:p>
         </p:txBody>
       </p:sp>
       <p:sp>
         <p:nvSpPr>
           <p:cNvPr id="76" name="Slide Number"/>
-          <p:cNvSpPr/>
+          <p:cNvSpPr>
+            <a:spLocks noGrp="1"/>
+          </p:cNvSpPr>
           <p:nvPr>
             <p:ph type="sldNum" sz="quarter" idx="2"/>
           </p:nvPr>
@@ -1741,8 +1822,12 @@
           <a:bodyPr/>
           <a:lstStyle/>
           <a:p>
-            <a:pPr/>
-            <a:fld id="{86CB4B4D-7CA3-9044-876B-883B54F8677D}" type="slidenum"/>
+            <a:fld id="{86CB4B4D-7CA3-9044-876B-883B54F8677D}" type="slidenum">
+              <a:rPr/>
+              <a:pPr/>
+              <a:t>‹#›</a:t>
+            </a:fld>
+            <a:endParaRPr/>
           </a:p>
         </p:txBody>
       </p:sp>
@@ -1751,12 +1836,12 @@
   <p:clrMapOvr>
     <a:masterClrMapping/>
   </p:clrMapOvr>
-  <p:transition xmlns:p14="http://schemas.microsoft.com/office/powerpoint/2010/main" spd="med" advClick="1"/>
+  <p:transition spd="med"/>
 </p:sldLayout>
 </file>
 
 <file path=ppt/slideLayouts/slideLayout9.xml><?xml version="1.0" encoding="utf-8"?>
-<p:sldLayout xmlns:a="http://schemas.openxmlformats.org/drawingml/2006/main" xmlns:r="http://schemas.openxmlformats.org/officeDocument/2006/relationships" xmlns:p="http://schemas.openxmlformats.org/presentationml/2006/main" type="tx" showMasterSp="1" showMasterPhAnim="1">
+<p:sldLayout xmlns:a="http://schemas.openxmlformats.org/drawingml/2006/main" xmlns:r="http://schemas.openxmlformats.org/officeDocument/2006/relationships" xmlns:p="http://schemas.openxmlformats.org/presentationml/2006/main" type="tx">
   <p:cSld name="CAPTION_ONLY">
     <p:spTree>
       <p:nvGrpSpPr>
@@ -1775,7 +1860,9 @@
       <p:sp>
         <p:nvSpPr>
           <p:cNvPr id="83" name="Body Level One…"/>
-          <p:cNvSpPr/>
+          <p:cNvSpPr>
+            <a:spLocks noGrp="1"/>
+          </p:cNvSpPr>
           <p:nvPr>
             <p:ph type="body" sz="quarter" idx="1"/>
           </p:nvPr>
@@ -1831,7 +1918,6 @@
             </a:lvl5pPr>
           </a:lstStyle>
           <a:p>
-            <a:pPr/>
             <a:r>
               <a:t>Body Level One</a:t>
             </a:r>
@@ -1865,7 +1951,9 @@
       <p:sp>
         <p:nvSpPr>
           <p:cNvPr id="84" name="Slide Number"/>
-          <p:cNvSpPr/>
+          <p:cNvSpPr>
+            <a:spLocks noGrp="1"/>
+          </p:cNvSpPr>
           <p:nvPr>
             <p:ph type="sldNum" sz="quarter" idx="2"/>
           </p:nvPr>
@@ -1879,8 +1967,12 @@
           <a:bodyPr/>
           <a:lstStyle/>
           <a:p>
-            <a:pPr/>
-            <a:fld id="{86CB4B4D-7CA3-9044-876B-883B54F8677D}" type="slidenum"/>
+            <a:fld id="{86CB4B4D-7CA3-9044-876B-883B54F8677D}" type="slidenum">
+              <a:rPr/>
+              <a:pPr/>
+              <a:t>‹#›</a:t>
+            </a:fld>
+            <a:endParaRPr/>
           </a:p>
         </p:txBody>
       </p:sp>
@@ -1889,7 +1981,7 @@
   <p:clrMapOvr>
     <a:masterClrMapping/>
   </p:clrMapOvr>
-  <p:transition xmlns:p14="http://schemas.microsoft.com/office/powerpoint/2010/main" spd="med" advClick="1"/>
+  <p:transition spd="med"/>
 </p:sldLayout>
 </file>
 
@@ -1901,6 +1993,7 @@
         <a:solidFill>
           <a:srgbClr val="FFFFFF"/>
         </a:solidFill>
+        <a:effectLst/>
       </p:bgPr>
     </p:bg>
     <p:spTree>
@@ -1920,7 +2013,9 @@
       <p:sp>
         <p:nvSpPr>
           <p:cNvPr id="2" name="Title Text"/>
-          <p:cNvSpPr/>
+          <p:cNvSpPr>
+            <a:spLocks noGrp="1"/>
+          </p:cNvSpPr>
           <p:nvPr>
             <p:ph type="title"/>
           </p:nvPr>
@@ -1938,17 +2033,16 @@
           </a:ln>
           <a:extLst>
             <a:ext uri="{C572A759-6A51-4108-AA02-DFA0A04FC94B}">
-              <ma14:wrappingTextBoxFlag xmlns:ma14="http://schemas.microsoft.com/office/mac/drawingml/2011/main" val="1"/>
+              <ma14:wrappingTextBoxFlag xmlns="" xmlns:ma14="http://schemas.microsoft.com/office/mac/drawingml/2011/main" val="1"/>
             </a:ext>
           </a:extLst>
         </p:spPr>
         <p:txBody>
           <a:bodyPr lIns="91424" tIns="91424" rIns="91424" bIns="91424">
-            <a:normAutofit fontScale="100000" lnSpcReduction="0"/>
+            <a:normAutofit/>
           </a:bodyPr>
           <a:lstStyle/>
           <a:p>
-            <a:pPr/>
             <a:r>
               <a:t>Title Text</a:t>
             </a:r>
@@ -1958,7 +2052,9 @@
       <p:sp>
         <p:nvSpPr>
           <p:cNvPr id="3" name="Body Level One…"/>
-          <p:cNvSpPr/>
+          <p:cNvSpPr>
+            <a:spLocks noGrp="1"/>
+          </p:cNvSpPr>
           <p:nvPr>
             <p:ph type="body" idx="1"/>
           </p:nvPr>
@@ -1976,17 +2072,16 @@
           </a:ln>
           <a:extLst>
             <a:ext uri="{C572A759-6A51-4108-AA02-DFA0A04FC94B}">
-              <ma14:wrappingTextBoxFlag xmlns:ma14="http://schemas.microsoft.com/office/mac/drawingml/2011/main" val="1"/>
+              <ma14:wrappingTextBoxFlag xmlns="" xmlns:ma14="http://schemas.microsoft.com/office/mac/drawingml/2011/main" val="1"/>
             </a:ext>
           </a:extLst>
         </p:spPr>
         <p:txBody>
           <a:bodyPr lIns="91424" tIns="91424" rIns="91424" bIns="91424">
-            <a:normAutofit fontScale="100000" lnSpcReduction="0"/>
+            <a:normAutofit/>
           </a:bodyPr>
           <a:lstStyle/>
           <a:p>
-            <a:pPr/>
             <a:r>
               <a:t>Body Level One</a:t>
             </a:r>
@@ -2020,7 +2115,9 @@
       <p:sp>
         <p:nvSpPr>
           <p:cNvPr id="4" name="Slide Number"/>
-          <p:cNvSpPr/>
+          <p:cNvSpPr>
+            <a:spLocks noGrp="1"/>
+          </p:cNvSpPr>
           <p:nvPr>
             <p:ph type="sldNum" sz="quarter" idx="2"/>
           </p:nvPr>
@@ -2053,8 +2150,12 @@
             </a:lvl1pPr>
           </a:lstStyle>
           <a:p>
-            <a:pPr/>
-            <a:fld id="{86CB4B4D-7CA3-9044-876B-883B54F8677D}" type="slidenum"/>
+            <a:fld id="{86CB4B4D-7CA3-9044-876B-883B54F8677D}" type="slidenum">
+              <a:rPr/>
+              <a:pPr/>
+              <a:t>‹#›</a:t>
+            </a:fld>
+            <a:endParaRPr/>
           </a:p>
         </p:txBody>
       </p:sp>
@@ -2062,19 +2163,19 @@
   </p:cSld>
   <p:clrMap bg1="lt1" tx1="dk1" bg2="lt2" tx2="dk2" accent1="accent1" accent2="accent2" accent3="accent3" accent4="accent4" accent5="accent5" accent6="accent6" hlink="hlink" folHlink="folHlink"/>
   <p:sldLayoutIdLst>
-    <p:sldLayoutId id="2147483649" r:id="rId2"/>
-    <p:sldLayoutId id="2147483650" r:id="rId3"/>
-    <p:sldLayoutId id="2147483651" r:id="rId4"/>
-    <p:sldLayoutId id="2147483652" r:id="rId5"/>
-    <p:sldLayoutId id="2147483653" r:id="rId6"/>
-    <p:sldLayoutId id="2147483654" r:id="rId7"/>
-    <p:sldLayoutId id="2147483655" r:id="rId8"/>
-    <p:sldLayoutId id="2147483656" r:id="rId9"/>
-    <p:sldLayoutId id="2147483657" r:id="rId10"/>
-    <p:sldLayoutId id="2147483658" r:id="rId11"/>
-    <p:sldLayoutId id="2147483659" r:id="rId12"/>
+    <p:sldLayoutId id="2147483649" r:id="rId1"/>
+    <p:sldLayoutId id="2147483650" r:id="rId2"/>
+    <p:sldLayoutId id="2147483651" r:id="rId3"/>
+    <p:sldLayoutId id="2147483652" r:id="rId4"/>
+    <p:sldLayoutId id="2147483653" r:id="rId5"/>
+    <p:sldLayoutId id="2147483654" r:id="rId6"/>
+    <p:sldLayoutId id="2147483655" r:id="rId7"/>
+    <p:sldLayoutId id="2147483656" r:id="rId8"/>
+    <p:sldLayoutId id="2147483657" r:id="rId9"/>
+    <p:sldLayoutId id="2147483658" r:id="rId10"/>
+    <p:sldLayoutId id="2147483659" r:id="rId11"/>
   </p:sldLayoutIdLst>
-  <p:transition xmlns:p14="http://schemas.microsoft.com/office/powerpoint/2010/main" spd="med" advClick="1"/>
+  <p:transition spd="med"/>
   <p:txStyles>
     <p:titleStyle>
       <a:lvl1pPr marL="0" marR="0" indent="0" algn="l" defTabSz="914400" rtl="0" latinLnBrk="0">
@@ -2092,7 +2193,7 @@
         <a:buFontTx/>
         <a:buNone/>
         <a:tabLst/>
-        <a:defRPr b="0" baseline="0" cap="none" i="0" spc="0" strike="noStrike" sz="2800" u="none">
+        <a:defRPr sz="2800" b="0" i="0" u="none" strike="noStrike" cap="none" spc="0" baseline="0">
           <a:ln>
             <a:noFill/>
           </a:ln>
@@ -2121,7 +2222,7 @@
         <a:buFontTx/>
         <a:buNone/>
         <a:tabLst/>
-        <a:defRPr b="0" baseline="0" cap="none" i="0" spc="0" strike="noStrike" sz="2800" u="none">
+        <a:defRPr sz="2800" b="0" i="0" u="none" strike="noStrike" cap="none" spc="0" baseline="0">
           <a:ln>
             <a:noFill/>
           </a:ln>
@@ -2150,7 +2251,7 @@
         <a:buFontTx/>
         <a:buNone/>
         <a:tabLst/>
-        <a:defRPr b="0" baseline="0" cap="none" i="0" spc="0" strike="noStrike" sz="2800" u="none">
+        <a:defRPr sz="2800" b="0" i="0" u="none" strike="noStrike" cap="none" spc="0" baseline="0">
           <a:ln>
             <a:noFill/>
           </a:ln>
@@ -2179,7 +2280,7 @@
         <a:buFontTx/>
         <a:buNone/>
         <a:tabLst/>
-        <a:defRPr b="0" baseline="0" cap="none" i="0" spc="0" strike="noStrike" sz="2800" u="none">
+        <a:defRPr sz="2800" b="0" i="0" u="none" strike="noStrike" cap="none" spc="0" baseline="0">
           <a:ln>
             <a:noFill/>
           </a:ln>
@@ -2208,7 +2309,7 @@
         <a:buFontTx/>
         <a:buNone/>
         <a:tabLst/>
-        <a:defRPr b="0" baseline="0" cap="none" i="0" spc="0" strike="noStrike" sz="2800" u="none">
+        <a:defRPr sz="2800" b="0" i="0" u="none" strike="noStrike" cap="none" spc="0" baseline="0">
           <a:ln>
             <a:noFill/>
           </a:ln>
@@ -2237,7 +2338,7 @@
         <a:buFontTx/>
         <a:buNone/>
         <a:tabLst/>
-        <a:defRPr b="0" baseline="0" cap="none" i="0" spc="0" strike="noStrike" sz="2800" u="none">
+        <a:defRPr sz="2800" b="0" i="0" u="none" strike="noStrike" cap="none" spc="0" baseline="0">
           <a:ln>
             <a:noFill/>
           </a:ln>
@@ -2266,7 +2367,7 @@
         <a:buFontTx/>
         <a:buNone/>
         <a:tabLst/>
-        <a:defRPr b="0" baseline="0" cap="none" i="0" spc="0" strike="noStrike" sz="2800" u="none">
+        <a:defRPr sz="2800" b="0" i="0" u="none" strike="noStrike" cap="none" spc="0" baseline="0">
           <a:ln>
             <a:noFill/>
           </a:ln>
@@ -2295,7 +2396,7 @@
         <a:buFontTx/>
         <a:buNone/>
         <a:tabLst/>
-        <a:defRPr b="0" baseline="0" cap="none" i="0" spc="0" strike="noStrike" sz="2800" u="none">
+        <a:defRPr sz="2800" b="0" i="0" u="none" strike="noStrike" cap="none" spc="0" baseline="0">
           <a:ln>
             <a:noFill/>
           </a:ln>
@@ -2324,7 +2425,7 @@
         <a:buFontTx/>
         <a:buNone/>
         <a:tabLst/>
-        <a:defRPr b="0" baseline="0" cap="none" i="0" spc="0" strike="noStrike" sz="2800" u="none">
+        <a:defRPr sz="2800" b="0" i="0" u="none" strike="noStrike" cap="none" spc="0" baseline="0">
           <a:ln>
             <a:noFill/>
           </a:ln>
@@ -2359,7 +2460,7 @@
         <a:buFont typeface="Arial"/>
         <a:buChar char="●"/>
         <a:tabLst/>
-        <a:defRPr b="0" baseline="0" cap="none" i="0" spc="0" strike="noStrike" sz="1800" u="none">
+        <a:defRPr sz="1800" b="0" i="0" u="none" strike="noStrike" cap="none" spc="0" baseline="0">
           <a:ln>
             <a:noFill/>
           </a:ln>
@@ -2394,7 +2495,7 @@
         <a:buFont typeface="Arial"/>
         <a:buChar char="○"/>
         <a:tabLst/>
-        <a:defRPr b="0" baseline="0" cap="none" i="0" spc="0" strike="noStrike" sz="1800" u="none">
+        <a:defRPr sz="1800" b="0" i="0" u="none" strike="noStrike" cap="none" spc="0" baseline="0">
           <a:ln>
             <a:noFill/>
           </a:ln>
@@ -2429,7 +2530,7 @@
         <a:buFont typeface="Arial"/>
         <a:buChar char="■"/>
         <a:tabLst/>
-        <a:defRPr b="0" baseline="0" cap="none" i="0" spc="0" strike="noStrike" sz="1800" u="none">
+        <a:defRPr sz="1800" b="0" i="0" u="none" strike="noStrike" cap="none" spc="0" baseline="0">
           <a:ln>
             <a:noFill/>
           </a:ln>
@@ -2464,7 +2565,7 @@
         <a:buFont typeface="Arial"/>
         <a:buChar char="●"/>
         <a:tabLst/>
-        <a:defRPr b="0" baseline="0" cap="none" i="0" spc="0" strike="noStrike" sz="1800" u="none">
+        <a:defRPr sz="1800" b="0" i="0" u="none" strike="noStrike" cap="none" spc="0" baseline="0">
           <a:ln>
             <a:noFill/>
           </a:ln>
@@ -2499,7 +2600,7 @@
         <a:buFont typeface="Arial"/>
         <a:buChar char="○"/>
         <a:tabLst/>
-        <a:defRPr b="0" baseline="0" cap="none" i="0" spc="0" strike="noStrike" sz="1800" u="none">
+        <a:defRPr sz="1800" b="0" i="0" u="none" strike="noStrike" cap="none" spc="0" baseline="0">
           <a:ln>
             <a:noFill/>
           </a:ln>
@@ -2534,7 +2635,7 @@
         <a:buFont typeface="Arial"/>
         <a:buChar char="■"/>
         <a:tabLst/>
-        <a:defRPr b="0" baseline="0" cap="none" i="0" spc="0" strike="noStrike" sz="1800" u="none">
+        <a:defRPr sz="1800" b="0" i="0" u="none" strike="noStrike" cap="none" spc="0" baseline="0">
           <a:ln>
             <a:noFill/>
           </a:ln>
@@ -2569,7 +2670,7 @@
         <a:buFont typeface="Arial"/>
         <a:buChar char="●"/>
         <a:tabLst/>
-        <a:defRPr b="0" baseline="0" cap="none" i="0" spc="0" strike="noStrike" sz="1800" u="none">
+        <a:defRPr sz="1800" b="0" i="0" u="none" strike="noStrike" cap="none" spc="0" baseline="0">
           <a:ln>
             <a:noFill/>
           </a:ln>
@@ -2604,7 +2705,7 @@
         <a:buFont typeface="Arial"/>
         <a:buChar char="○"/>
         <a:tabLst/>
-        <a:defRPr b="0" baseline="0" cap="none" i="0" spc="0" strike="noStrike" sz="1800" u="none">
+        <a:defRPr sz="1800" b="0" i="0" u="none" strike="noStrike" cap="none" spc="0" baseline="0">
           <a:ln>
             <a:noFill/>
           </a:ln>
@@ -2639,7 +2740,7 @@
         <a:buFont typeface="Arial"/>
         <a:buChar char="■"/>
         <a:tabLst/>
-        <a:defRPr b="0" baseline="0" cap="none" i="0" spc="0" strike="noStrike" sz="1800" u="none">
+        <a:defRPr sz="1800" b="0" i="0" u="none" strike="noStrike" cap="none" spc="0" baseline="0">
           <a:ln>
             <a:noFill/>
           </a:ln>
@@ -2672,7 +2773,7 @@
         <a:buFontTx/>
         <a:buNone/>
         <a:tabLst/>
-        <a:defRPr b="0" baseline="0" cap="none" i="0" spc="0" strike="noStrike" sz="1000" u="none">
+        <a:defRPr sz="1000" b="0" i="0" u="none" strike="noStrike" cap="none" spc="0" baseline="0">
           <a:ln>
             <a:noFill/>
           </a:ln>
@@ -2701,7 +2802,7 @@
         <a:buFontTx/>
         <a:buNone/>
         <a:tabLst/>
-        <a:defRPr b="0" baseline="0" cap="none" i="0" spc="0" strike="noStrike" sz="1000" u="none">
+        <a:defRPr sz="1000" b="0" i="0" u="none" strike="noStrike" cap="none" spc="0" baseline="0">
           <a:ln>
             <a:noFill/>
           </a:ln>
@@ -2730,7 +2831,7 @@
         <a:buFontTx/>
         <a:buNone/>
         <a:tabLst/>
-        <a:defRPr b="0" baseline="0" cap="none" i="0" spc="0" strike="noStrike" sz="1000" u="none">
+        <a:defRPr sz="1000" b="0" i="0" u="none" strike="noStrike" cap="none" spc="0" baseline="0">
           <a:ln>
             <a:noFill/>
           </a:ln>
@@ -2759,7 +2860,7 @@
         <a:buFontTx/>
         <a:buNone/>
         <a:tabLst/>
-        <a:defRPr b="0" baseline="0" cap="none" i="0" spc="0" strike="noStrike" sz="1000" u="none">
+        <a:defRPr sz="1000" b="0" i="0" u="none" strike="noStrike" cap="none" spc="0" baseline="0">
           <a:ln>
             <a:noFill/>
           </a:ln>
@@ -2788,7 +2889,7 @@
         <a:buFontTx/>
         <a:buNone/>
         <a:tabLst/>
-        <a:defRPr b="0" baseline="0" cap="none" i="0" spc="0" strike="noStrike" sz="1000" u="none">
+        <a:defRPr sz="1000" b="0" i="0" u="none" strike="noStrike" cap="none" spc="0" baseline="0">
           <a:ln>
             <a:noFill/>
           </a:ln>
@@ -2817,7 +2918,7 @@
         <a:buFontTx/>
         <a:buNone/>
         <a:tabLst/>
-        <a:defRPr b="0" baseline="0" cap="none" i="0" spc="0" strike="noStrike" sz="1000" u="none">
+        <a:defRPr sz="1000" b="0" i="0" u="none" strike="noStrike" cap="none" spc="0" baseline="0">
           <a:ln>
             <a:noFill/>
           </a:ln>
@@ -2846,7 +2947,7 @@
         <a:buFontTx/>
         <a:buNone/>
         <a:tabLst/>
-        <a:defRPr b="0" baseline="0" cap="none" i="0" spc="0" strike="noStrike" sz="1000" u="none">
+        <a:defRPr sz="1000" b="0" i="0" u="none" strike="noStrike" cap="none" spc="0" baseline="0">
           <a:ln>
             <a:noFill/>
           </a:ln>
@@ -2875,7 +2976,7 @@
         <a:buFontTx/>
         <a:buNone/>
         <a:tabLst/>
-        <a:defRPr b="0" baseline="0" cap="none" i="0" spc="0" strike="noStrike" sz="1000" u="none">
+        <a:defRPr sz="1000" b="0" i="0" u="none" strike="noStrike" cap="none" spc="0" baseline="0">
           <a:ln>
             <a:noFill/>
           </a:ln>
@@ -2904,7 +3005,7 @@
         <a:buFontTx/>
         <a:buNone/>
         <a:tabLst/>
-        <a:defRPr b="0" baseline="0" cap="none" i="0" spc="0" strike="noStrike" sz="1000" u="none">
+        <a:defRPr sz="1000" b="0" i="0" u="none" strike="noStrike" cap="none" spc="0" baseline="0">
           <a:ln>
             <a:noFill/>
           </a:ln>
@@ -2924,7 +3025,7 @@
 </file>
 
 <file path=ppt/slides/slide1.xml><?xml version="1.0" encoding="utf-8"?>
-<p:sld xmlns:a="http://schemas.openxmlformats.org/drawingml/2006/main" xmlns:r="http://schemas.openxmlformats.org/officeDocument/2006/relationships" xmlns:p="http://schemas.openxmlformats.org/presentationml/2006/main" showMasterSp="1" showMasterPhAnim="1">
+<p:sld xmlns:a="http://schemas.openxmlformats.org/drawingml/2006/main" xmlns:r="http://schemas.openxmlformats.org/officeDocument/2006/relationships" xmlns:p="http://schemas.openxmlformats.org/presentationml/2006/main">
   <p:cSld>
     <p:spTree>
       <p:nvGrpSpPr>
@@ -2947,7 +3048,7 @@
           <p:nvPr/>
         </p:nvSpPr>
         <p:spPr>
-          <a:xfrm flipH="1" rot="10800000">
+          <a:xfrm rot="10800000" flipH="1">
             <a:off x="-1" y="0"/>
             <a:ext cx="9163201" cy="5148001"/>
           </a:xfrm>
@@ -2971,7 +3072,7 @@
             </a:cxnLst>
             <a:rect l="0" t="0" r="r" b="b"/>
             <a:pathLst>
-              <a:path w="21600" h="21600" fill="norm" stroke="1" extrusionOk="0">
+              <a:path w="21600" h="21600" extrusionOk="0">
                 <a:moveTo>
                   <a:pt x="0" y="0"/>
                 </a:moveTo>
@@ -3010,7 +3111,7 @@
           <a:bodyPr lIns="45719" rIns="45719" anchor="ctr"/>
           <a:lstStyle/>
           <a:p>
-            <a:pPr/>
+            <a:endParaRPr/>
           </a:p>
         </p:txBody>
       </p:sp>
@@ -3033,7 +3134,7 @@
           </a:ln>
           <a:extLst>
             <a:ext uri="{C572A759-6A51-4108-AA02-DFA0A04FC94B}">
-              <ma14:wrappingTextBoxFlag xmlns:ma14="http://schemas.microsoft.com/office/mac/drawingml/2011/main" val="1"/>
+              <ma14:wrappingTextBoxFlag xmlns="" xmlns:ma14="http://schemas.microsoft.com/office/mac/drawingml/2011/main" val="1"/>
             </a:ext>
           </a:extLst>
         </p:spPr>
@@ -3055,7 +3156,6 @@
             </a:lvl1pPr>
           </a:lstStyle>
           <a:p>
-            <a:pPr/>
             <a:r>
               <a:t>Sprocket Central Pty Ltd</a:t>
             </a:r>
@@ -3081,7 +3181,7 @@
           </a:ln>
           <a:extLst>
             <a:ext uri="{C572A759-6A51-4108-AA02-DFA0A04FC94B}">
-              <ma14:wrappingTextBoxFlag xmlns:ma14="http://schemas.microsoft.com/office/mac/drawingml/2011/main" val="1"/>
+              <ma14:wrappingTextBoxFlag xmlns="" xmlns:ma14="http://schemas.microsoft.com/office/mac/drawingml/2011/main" val="1"/>
             </a:ext>
           </a:extLst>
         </p:spPr>
@@ -3103,7 +3203,6 @@
             </a:lvl1pPr>
           </a:lstStyle>
           <a:p>
-            <a:pPr/>
             <a:r>
               <a:t>Data analytics approach</a:t>
             </a:r>
@@ -3158,7 +3257,7 @@
           </a:ln>
           <a:extLst>
             <a:ext uri="{C572A759-6A51-4108-AA02-DFA0A04FC94B}">
-              <ma14:wrappingTextBoxFlag xmlns:ma14="http://schemas.microsoft.com/office/mac/drawingml/2011/main" val="1"/>
+              <ma14:wrappingTextBoxFlag xmlns="" xmlns:ma14="http://schemas.microsoft.com/office/mac/drawingml/2011/main" val="1"/>
             </a:ext>
           </a:extLst>
         </p:spPr>
@@ -3180,7 +3279,6 @@
             </a:lvl1pPr>
           </a:lstStyle>
           <a:p>
-            <a:pPr/>
             <a:r>
               <a:t>[Division Name] - [Engagement Manager], [Senior Consultant], [Junior Consultant]</a:t>
             </a:r>
@@ -3209,7 +3307,7 @@
           </a:ln>
           <a:extLst>
             <a:ext uri="{C572A759-6A51-4108-AA02-DFA0A04FC94B}">
-              <ma14:wrappingTextBoxFlag xmlns:ma14="http://schemas.microsoft.com/office/mac/drawingml/2011/main" val="1"/>
+              <ma14:wrappingTextBoxFlag xmlns="" xmlns:ma14="http://schemas.microsoft.com/office/mac/drawingml/2011/main" val="1"/>
             </a:ext>
           </a:extLst>
         </p:spPr>
@@ -3218,7 +3316,7 @@
           <a:lstStyle/>
           <a:p>
             <a:pPr defTabSz="457200">
-              <a:defRPr b="1" sz="500">
+              <a:defRPr sz="500" b="1">
                 <a:latin typeface="Calibri"/>
                 <a:ea typeface="Calibri"/>
                 <a:cs typeface="Calibri"/>
@@ -3240,12 +3338,19 @@
   <p:clrMapOvr>
     <a:masterClrMapping/>
   </p:clrMapOvr>
-  <p:transition xmlns:p14="http://schemas.microsoft.com/office/powerpoint/2010/main" spd="med" advClick="1"/>
+  <p:transition spd="med"/>
+  <p:timing>
+    <p:tnLst>
+      <p:par>
+        <p:cTn id="1" dur="indefinite" restart="never" nodeType="tmRoot"/>
+      </p:par>
+    </p:tnLst>
+  </p:timing>
 </p:sld>
 </file>
 
 <file path=ppt/slides/slide2.xml><?xml version="1.0" encoding="utf-8"?>
-<p:sld xmlns:a="http://schemas.openxmlformats.org/drawingml/2006/main" xmlns:r="http://schemas.openxmlformats.org/officeDocument/2006/relationships" xmlns:p="http://schemas.openxmlformats.org/presentationml/2006/main" showMasterSp="1" showMasterPhAnim="1">
+<p:sld xmlns:a="http://schemas.openxmlformats.org/drawingml/2006/main" xmlns:r="http://schemas.openxmlformats.org/officeDocument/2006/relationships" xmlns:p="http://schemas.openxmlformats.org/presentationml/2006/main">
   <p:cSld>
     <p:spTree>
       <p:nvGrpSpPr>
@@ -3294,7 +3399,7 @@
           <a:bodyPr lIns="45719" rIns="45719" anchor="ctr"/>
           <a:lstStyle/>
           <a:p>
-            <a:pPr/>
+            <a:endParaRPr/>
           </a:p>
         </p:txBody>
       </p:sp>
@@ -3317,7 +3422,7 @@
           </a:ln>
           <a:extLst>
             <a:ext uri="{C572A759-6A51-4108-AA02-DFA0A04FC94B}">
-              <ma14:wrappingTextBoxFlag xmlns:ma14="http://schemas.microsoft.com/office/mac/drawingml/2011/main" val="1"/>
+              <ma14:wrappingTextBoxFlag xmlns="" xmlns:ma14="http://schemas.microsoft.com/office/mac/drawingml/2011/main" val="1"/>
             </a:ext>
           </a:extLst>
         </p:spPr>
@@ -3327,7 +3432,7 @@
           </a:bodyPr>
           <a:lstStyle>
             <a:lvl1pPr>
-              <a:defRPr b="1" sz="2000">
+              <a:defRPr sz="2000" b="1">
                 <a:solidFill>
                   <a:srgbClr val="FFFFFF"/>
                 </a:solidFill>
@@ -3335,7 +3440,6 @@
             </a:lvl1pPr>
           </a:lstStyle>
           <a:p>
-            <a:pPr/>
             <a:r>
               <a:t>Agenda</a:t>
             </a:r>
@@ -3361,7 +3465,7 @@
           </a:ln>
           <a:extLst>
             <a:ext uri="{C572A759-6A51-4108-AA02-DFA0A04FC94B}">
-              <ma14:wrappingTextBoxFlag xmlns:ma14="http://schemas.microsoft.com/office/mac/drawingml/2011/main" val="1"/>
+              <ma14:wrappingTextBoxFlag xmlns="" xmlns:ma14="http://schemas.microsoft.com/office/mac/drawingml/2011/main" val="1"/>
             </a:ext>
           </a:extLst>
         </p:spPr>
@@ -3379,7 +3483,7 @@
                 <a:srgbClr val="000000"/>
               </a:buClr>
               <a:buSzPts val="2000"/>
-              <a:buAutoNum type="arabicPeriod" startAt="1"/>
+              <a:buAutoNum type="arabicPeriod"/>
               <a:defRPr sz="2000">
                 <a:latin typeface="Open Sans"/>
                 <a:ea typeface="Open Sans"/>
@@ -3400,7 +3504,7 @@
                 <a:srgbClr val="000000"/>
               </a:buClr>
               <a:buSzPts val="2000"/>
-              <a:buAutoNum type="arabicPeriod" startAt="1"/>
+              <a:buAutoNum type="arabicPeriod"/>
               <a:defRPr sz="2000">
                 <a:latin typeface="Open Sans"/>
                 <a:ea typeface="Open Sans"/>
@@ -3421,7 +3525,7 @@
                 <a:srgbClr val="000000"/>
               </a:buClr>
               <a:buSzPts val="2000"/>
-              <a:buAutoNum type="arabicPeriod" startAt="1"/>
+              <a:buAutoNum type="arabicPeriod"/>
               <a:defRPr sz="2000">
                 <a:latin typeface="Open Sans"/>
                 <a:ea typeface="Open Sans"/>
@@ -3442,7 +3546,7 @@
                 <a:srgbClr val="000000"/>
               </a:buClr>
               <a:buSzPts val="2000"/>
-              <a:buAutoNum type="arabicPeriod" startAt="1"/>
+              <a:buAutoNum type="arabicPeriod"/>
               <a:defRPr sz="2000">
                 <a:latin typeface="Open Sans"/>
                 <a:ea typeface="Open Sans"/>
@@ -3478,7 +3582,7 @@
           </a:ln>
           <a:extLst>
             <a:ext uri="{C572A759-6A51-4108-AA02-DFA0A04FC94B}">
-              <ma14:wrappingTextBoxFlag xmlns:ma14="http://schemas.microsoft.com/office/mac/drawingml/2011/main" val="1"/>
+              <ma14:wrappingTextBoxFlag xmlns="" xmlns:ma14="http://schemas.microsoft.com/office/mac/drawingml/2011/main" val="1"/>
             </a:ext>
           </a:extLst>
         </p:spPr>
@@ -3487,7 +3591,7 @@
           <a:lstStyle/>
           <a:p>
             <a:pPr defTabSz="457200">
-              <a:defRPr b="1" sz="500">
+              <a:defRPr sz="500" b="1">
                 <a:latin typeface="Calibri"/>
                 <a:ea typeface="Calibri"/>
                 <a:cs typeface="Calibri"/>
@@ -3509,12 +3613,19 @@
   <p:clrMapOvr>
     <a:masterClrMapping/>
   </p:clrMapOvr>
-  <p:transition xmlns:p14="http://schemas.microsoft.com/office/powerpoint/2010/main" spd="med" advClick="1"/>
+  <p:transition spd="med"/>
+  <p:timing>
+    <p:tnLst>
+      <p:par>
+        <p:cTn id="1" dur="indefinite" restart="never" nodeType="tmRoot"/>
+      </p:par>
+    </p:tnLst>
+  </p:timing>
 </p:sld>
 </file>
 
 <file path=ppt/slides/slide3.xml><?xml version="1.0" encoding="utf-8"?>
-<p:sld xmlns:a="http://schemas.openxmlformats.org/drawingml/2006/main" xmlns:r="http://schemas.openxmlformats.org/officeDocument/2006/relationships" xmlns:p="http://schemas.openxmlformats.org/presentationml/2006/main" showMasterSp="1" showMasterPhAnim="1">
+<p:sld xmlns:a="http://schemas.openxmlformats.org/drawingml/2006/main" xmlns:r="http://schemas.openxmlformats.org/officeDocument/2006/relationships" xmlns:p="http://schemas.openxmlformats.org/presentationml/2006/main">
   <p:cSld>
     <p:spTree>
       <p:nvGrpSpPr>
@@ -3563,7 +3674,7 @@
           <a:bodyPr lIns="45719" rIns="45719" anchor="ctr"/>
           <a:lstStyle/>
           <a:p>
-            <a:pPr/>
+            <a:endParaRPr/>
           </a:p>
         </p:txBody>
       </p:sp>
@@ -3586,7 +3697,7 @@
           </a:ln>
           <a:extLst>
             <a:ext uri="{C572A759-6A51-4108-AA02-DFA0A04FC94B}">
-              <ma14:wrappingTextBoxFlag xmlns:ma14="http://schemas.microsoft.com/office/mac/drawingml/2011/main" val="1"/>
+              <ma14:wrappingTextBoxFlag xmlns="" xmlns:ma14="http://schemas.microsoft.com/office/mac/drawingml/2011/main" val="1"/>
             </a:ext>
           </a:extLst>
         </p:spPr>
@@ -3596,7 +3707,7 @@
           </a:bodyPr>
           <a:lstStyle>
             <a:lvl1pPr>
-              <a:defRPr b="1" sz="2000">
+              <a:defRPr sz="2000" b="1">
                 <a:solidFill>
                   <a:srgbClr val="FFFFFF"/>
                 </a:solidFill>
@@ -3604,7 +3715,6 @@
             </a:lvl1pPr>
           </a:lstStyle>
           <a:p>
-            <a:pPr/>
             <a:r>
               <a:t>Introduction</a:t>
             </a:r>
@@ -3620,7 +3730,7 @@
         <p:spPr>
           <a:xfrm>
             <a:off x="205025" y="1083299"/>
-            <a:ext cx="8565600" cy="920086"/>
+            <a:ext cx="8565600" cy="892520"/>
           </a:xfrm>
           <a:prstGeom prst="rect">
             <a:avLst/>
@@ -3630,7 +3740,7 @@
           </a:ln>
           <a:extLst>
             <a:ext uri="{C572A759-6A51-4108-AA02-DFA0A04FC94B}">
-              <ma14:wrappingTextBoxFlag xmlns:ma14="http://schemas.microsoft.com/office/mac/drawingml/2011/main" val="1"/>
+              <ma14:wrappingTextBoxFlag xmlns="" xmlns:ma14="http://schemas.microsoft.com/office/mac/drawingml/2011/main" val="1"/>
             </a:ext>
           </a:extLst>
         </p:spPr>
@@ -3643,7 +3753,7 @@
               <a:lnSpc>
                 <a:spcPct val="115000"/>
               </a:lnSpc>
-              <a:defRPr b="1" sz="2000">
+              <a:defRPr sz="2000" b="1">
                 <a:latin typeface="Open Sans"/>
                 <a:ea typeface="Open Sans"/>
                 <a:cs typeface="Open Sans"/>
@@ -3652,10 +3762,11 @@
             </a:lvl1pPr>
           </a:lstStyle>
           <a:p>
-            <a:pPr/>
-            <a:r>
-              <a:t>Place headline insight or information here. This should be the most important point for this slide.</a:t>
-            </a:r>
+            <a:r>
+              <a:rPr lang="en-US" dirty="0" smtClean="0"/>
+              <a:t>We’ll follow this data analysis pipeline, so that the process flow would be smooth and organized </a:t>
+            </a:r>
+            <a:endParaRPr/>
           </a:p>
         </p:txBody>
       </p:sp>
@@ -3668,7 +3779,7 @@
         <p:spPr>
           <a:xfrm>
             <a:off x="205025" y="2164724"/>
-            <a:ext cx="4134600" cy="436851"/>
+            <a:ext cx="4134600" cy="2786115"/>
           </a:xfrm>
           <a:prstGeom prst="rect">
             <a:avLst/>
@@ -3678,7 +3789,7 @@
           </a:ln>
           <a:extLst>
             <a:ext uri="{C572A759-6A51-4108-AA02-DFA0A04FC94B}">
-              <ma14:wrappingTextBoxFlag xmlns:ma14="http://schemas.microsoft.com/office/mac/drawingml/2011/main" val="1"/>
+              <ma14:wrappingTextBoxFlag xmlns="" xmlns:ma14="http://schemas.microsoft.com/office/mac/drawingml/2011/main" val="1"/>
             </a:ext>
           </a:extLst>
         </p:spPr>
@@ -3700,114 +3811,69 @@
             </a:lvl1pPr>
           </a:lstStyle>
           <a:p>
-            <a:pPr/>
-            <a:r>
-              <a:t>Place any information about this point here.</a:t>
+            <a:pPr>
+              <a:buFont typeface="Arial" pitchFamily="34" charset="0"/>
+              <a:buChar char="•"/>
+            </a:pPr>
+            <a:r>
+              <a:rPr lang="en-US" dirty="0" smtClean="0"/>
+              <a:t> We would follow these data analysis pipelines –    </a:t>
+            </a:r>
+            <a:endParaRPr lang="en-US" dirty="0" smtClean="0"/>
+          </a:p>
+          <a:p>
+            <a:pPr>
+              <a:buFont typeface="Arial" pitchFamily="34" charset="0"/>
+              <a:buChar char="•"/>
+            </a:pPr>
+            <a:endParaRPr lang="en-US" dirty="0" smtClean="0"/>
+          </a:p>
+          <a:p>
+            <a:pPr marL="342900" indent="-342900">
+              <a:buFont typeface="+mj-lt"/>
+              <a:buAutoNum type="arabicPeriod"/>
+            </a:pPr>
+            <a:r>
+              <a:rPr lang="en-US" sz="900" dirty="0" smtClean="0"/>
+              <a:t>Data exploration</a:t>
+            </a:r>
+          </a:p>
+          <a:p>
+            <a:pPr marL="342900" indent="-342900">
+              <a:buFont typeface="+mj-lt"/>
+              <a:buAutoNum type="arabicPeriod"/>
+            </a:pPr>
+            <a:r>
+              <a:rPr lang="en-US" sz="900" dirty="0" smtClean="0"/>
+              <a:t>Model Development</a:t>
+            </a:r>
+          </a:p>
+          <a:p>
+            <a:pPr marL="342900" indent="-342900">
+              <a:buFont typeface="+mj-lt"/>
+              <a:buAutoNum type="arabicPeriod"/>
+            </a:pPr>
+            <a:r>
+              <a:rPr lang="en-US" sz="900" dirty="0" smtClean="0"/>
+              <a:t>Interpretation/Insights from the model</a:t>
+            </a:r>
+          </a:p>
+          <a:p>
+            <a:pPr marL="342900" indent="-342900"/>
+            <a:endParaRPr lang="en-US" dirty="0" smtClean="0"/>
+          </a:p>
+          <a:p>
+            <a:pPr marL="342900" indent="-342900">
+              <a:buFont typeface="Arial" pitchFamily="34" charset="0"/>
+              <a:buChar char="•"/>
+            </a:pPr>
+            <a:r>
+              <a:rPr lang="en-US" dirty="0" smtClean="0"/>
+              <a:t>Among the 3 pipeline component Data-pre-processing will be of major focus, as the later components will require good data for final predictions</a:t>
             </a:r>
           </a:p>
         </p:txBody>
       </p:sp>
-      <p:grpSp>
-        <p:nvGrpSpPr>
-          <p:cNvPr id="127" name="Shape 74"/>
-          <p:cNvGrpSpPr/>
-          <p:nvPr/>
-        </p:nvGrpSpPr>
-        <p:grpSpPr>
-          <a:xfrm>
-            <a:off x="4969974" y="2164724"/>
-            <a:ext cx="3800702" cy="2649302"/>
-            <a:chOff x="0" y="0"/>
-            <a:chExt cx="3800700" cy="2649300"/>
-          </a:xfrm>
-        </p:grpSpPr>
-        <p:sp>
-          <p:nvSpPr>
-            <p:cNvPr id="125" name="Rectangle"/>
-            <p:cNvSpPr/>
-            <p:nvPr/>
-          </p:nvSpPr>
-          <p:spPr>
-            <a:xfrm>
-              <a:off x="-1" y="-1"/>
-              <a:ext cx="3800702" cy="2649302"/>
-            </a:xfrm>
-            <a:prstGeom prst="rect">
-              <a:avLst/>
-            </a:prstGeom>
-            <a:solidFill>
-              <a:srgbClr val="EEEEEE"/>
-            </a:solidFill>
-            <a:ln w="12700" cap="flat">
-              <a:noFill/>
-              <a:miter lim="400000"/>
-            </a:ln>
-            <a:effectLst/>
-          </p:spPr>
-          <p:txBody>
-            <a:bodyPr wrap="square" lIns="45719" tIns="45719" rIns="45719" bIns="45719" numCol="1" anchor="ctr">
-              <a:noAutofit/>
-            </a:bodyPr>
-            <a:lstStyle/>
-            <a:p>
-              <a:pPr algn="ctr">
-                <a:defRPr>
-                  <a:solidFill>
-                    <a:srgbClr val="666666"/>
-                  </a:solidFill>
-                </a:defRPr>
-              </a:pPr>
-            </a:p>
-          </p:txBody>
-        </p:sp>
-        <p:sp>
-          <p:nvSpPr>
-            <p:cNvPr id="126" name="Place any supporting images, graphs, data or extra text here."/>
-            <p:cNvSpPr/>
-            <p:nvPr/>
-          </p:nvSpPr>
-          <p:spPr>
-            <a:xfrm>
-              <a:off x="-1" y="1032933"/>
-              <a:ext cx="3800702" cy="583434"/>
-            </a:xfrm>
-            <a:prstGeom prst="rect">
-              <a:avLst/>
-            </a:prstGeom>
-            <a:noFill/>
-            <a:ln w="12700" cap="flat">
-              <a:noFill/>
-              <a:miter lim="400000"/>
-            </a:ln>
-            <a:effectLst/>
-            <a:extLst>
-              <a:ext uri="{C572A759-6A51-4108-AA02-DFA0A04FC94B}">
-                <ma14:wrappingTextBoxFlag xmlns:ma14="http://schemas.microsoft.com/office/mac/drawingml/2011/main" val="1"/>
-              </a:ext>
-            </a:extLst>
-          </p:spPr>
-          <p:txBody>
-            <a:bodyPr wrap="square" lIns="91424" tIns="91424" rIns="91424" bIns="91424" numCol="1" anchor="ctr">
-              <a:spAutoFit/>
-            </a:bodyPr>
-            <a:lstStyle>
-              <a:lvl1pPr algn="ctr">
-                <a:defRPr>
-                  <a:solidFill>
-                    <a:srgbClr val="666666"/>
-                  </a:solidFill>
-                </a:defRPr>
-              </a:lvl1pPr>
-            </a:lstStyle>
-            <a:p>
-              <a:pPr/>
-              <a:r>
-                <a:t>Place any supporting images, graphs, data or extra text here.</a:t>
-              </a:r>
-            </a:p>
-          </p:txBody>
-        </p:sp>
-      </p:grpSp>
       <p:sp>
         <p:nvSpPr>
           <p:cNvPr id="128" name="Note: The data and information in this document is reflective of a hypothetical situation and client. This document is to be used for KPMG Virtual Internship purposes only."/>
@@ -3830,7 +3896,7 @@
           </a:ln>
           <a:extLst>
             <a:ext uri="{C572A759-6A51-4108-AA02-DFA0A04FC94B}">
-              <ma14:wrappingTextBoxFlag xmlns:ma14="http://schemas.microsoft.com/office/mac/drawingml/2011/main" val="1"/>
+              <ma14:wrappingTextBoxFlag xmlns="" xmlns:ma14="http://schemas.microsoft.com/office/mac/drawingml/2011/main" val="1"/>
             </a:ext>
           </a:extLst>
         </p:spPr>
@@ -3839,7 +3905,7 @@
           <a:lstStyle/>
           <a:p>
             <a:pPr defTabSz="457200">
-              <a:defRPr b="1" sz="500">
+              <a:defRPr sz="500" b="1">
                 <a:latin typeface="Calibri"/>
                 <a:ea typeface="Calibri"/>
                 <a:cs typeface="Calibri"/>
@@ -3856,17 +3922,48 @@
           </a:p>
         </p:txBody>
       </p:sp>
+      <p:pic>
+        <p:nvPicPr>
+          <p:cNvPr id="10" name="Picture 9" descr="Introduction.JPG"/>
+          <p:cNvPicPr>
+            <a:picLocks noChangeAspect="1"/>
+          </p:cNvPicPr>
+          <p:nvPr/>
+        </p:nvPicPr>
+        <p:blipFill>
+          <a:blip r:embed="rId2"/>
+          <a:stretch>
+            <a:fillRect/>
+          </a:stretch>
+        </p:blipFill>
+        <p:spPr>
+          <a:xfrm>
+            <a:off x="4648200" y="1848029"/>
+            <a:ext cx="4024313" cy="3013497"/>
+          </a:xfrm>
+          <a:prstGeom prst="rect">
+            <a:avLst/>
+          </a:prstGeom>
+        </p:spPr>
+      </p:pic>
     </p:spTree>
   </p:cSld>
   <p:clrMapOvr>
     <a:masterClrMapping/>
   </p:clrMapOvr>
-  <p:transition xmlns:p14="http://schemas.microsoft.com/office/powerpoint/2010/main" spd="med" advClick="1"/>
+  <p:transition spd="med"/>
+  <p:timing>
+    <p:tnLst>
+      <p:par>
+        <p:cTn id="1" dur="indefinite" restart="never" nodeType="tmRoot"/>
+      </p:par>
+    </p:tnLst>
+  </p:timing>
 </p:sld>
 </file>
 
 <file path=ppt/slides/slide4.xml><?xml version="1.0" encoding="utf-8"?>
-<p:sld xmlns:a="http://schemas.openxmlformats.org/drawingml/2006/main" xmlns:r="http://schemas.openxmlformats.org/officeDocument/2006/relationships" xmlns:p="http://schemas.openxmlformats.org/presentationml/2006/main" showMasterSp="1" showMasterPhAnim="1">
+<p:sld xmlns:a="http://schemas.openxmlformats.org/drawingml/2006/main" xmlns:r="http://schemas.openxmlformats.org/officeDocument/2006/relationships" xmlns:p="http://schemas.openxmlformats.org/presentationml/2006/main">
   <p:cSld>
     <p:spTree>
       <p:nvGrpSpPr>
@@ -3915,7 +4012,7 @@
           <a:bodyPr lIns="45719" rIns="45719" anchor="ctr"/>
           <a:lstStyle/>
           <a:p>
-            <a:pPr/>
+            <a:endParaRPr/>
           </a:p>
         </p:txBody>
       </p:sp>
@@ -3938,7 +4035,7 @@
           </a:ln>
           <a:extLst>
             <a:ext uri="{C572A759-6A51-4108-AA02-DFA0A04FC94B}">
-              <ma14:wrappingTextBoxFlag xmlns:ma14="http://schemas.microsoft.com/office/mac/drawingml/2011/main" val="1"/>
+              <ma14:wrappingTextBoxFlag xmlns="" xmlns:ma14="http://schemas.microsoft.com/office/mac/drawingml/2011/main" val="1"/>
             </a:ext>
           </a:extLst>
         </p:spPr>
@@ -3948,7 +4045,7 @@
           </a:bodyPr>
           <a:lstStyle>
             <a:lvl1pPr>
-              <a:defRPr b="1" sz="2000">
+              <a:defRPr sz="2000" b="1">
                 <a:solidFill>
                   <a:srgbClr val="FFFFFF"/>
                 </a:solidFill>
@@ -3956,7 +4053,6 @@
             </a:lvl1pPr>
           </a:lstStyle>
           <a:p>
-            <a:pPr/>
             <a:r>
               <a:t>Data Exploration</a:t>
             </a:r>
@@ -3972,7 +4068,7 @@
         <p:spPr>
           <a:xfrm>
             <a:off x="205025" y="1083299"/>
-            <a:ext cx="8565600" cy="920086"/>
+            <a:ext cx="8565600" cy="508505"/>
           </a:xfrm>
           <a:prstGeom prst="rect">
             <a:avLst/>
@@ -3982,7 +4078,7 @@
           </a:ln>
           <a:extLst>
             <a:ext uri="{C572A759-6A51-4108-AA02-DFA0A04FC94B}">
-              <ma14:wrappingTextBoxFlag xmlns:ma14="http://schemas.microsoft.com/office/mac/drawingml/2011/main" val="1"/>
+              <ma14:wrappingTextBoxFlag xmlns="" xmlns:ma14="http://schemas.microsoft.com/office/mac/drawingml/2011/main" val="1"/>
             </a:ext>
           </a:extLst>
         </p:spPr>
@@ -3995,7 +4091,7 @@
               <a:lnSpc>
                 <a:spcPct val="115000"/>
               </a:lnSpc>
-              <a:defRPr b="1" sz="2000">
+              <a:defRPr sz="2000" b="1">
                 <a:latin typeface="Open Sans"/>
                 <a:ea typeface="Open Sans"/>
                 <a:cs typeface="Open Sans"/>
@@ -4004,10 +4100,11 @@
             </a:lvl1pPr>
           </a:lstStyle>
           <a:p>
-            <a:pPr/>
-            <a:r>
-              <a:t>Place headline insight or information here. This should be the most important point for this slide.</a:t>
-            </a:r>
+            <a:r>
+              <a:rPr lang="en-US" dirty="0" smtClean="0"/>
+              <a:t>Why Exploration and Pre-processing?</a:t>
+            </a:r>
+            <a:endParaRPr/>
           </a:p>
         </p:txBody>
       </p:sp>
@@ -4019,8 +4116,8 @@
         </p:nvSpPr>
         <p:spPr>
           <a:xfrm>
-            <a:off x="205025" y="2164724"/>
-            <a:ext cx="4134600" cy="436851"/>
+            <a:off x="228600" y="1733550"/>
+            <a:ext cx="4134600" cy="3051572"/>
           </a:xfrm>
           <a:prstGeom prst="rect">
             <a:avLst/>
@@ -4030,7 +4127,7 @@
           </a:ln>
           <a:extLst>
             <a:ext uri="{C572A759-6A51-4108-AA02-DFA0A04FC94B}">
-              <ma14:wrappingTextBoxFlag xmlns:ma14="http://schemas.microsoft.com/office/mac/drawingml/2011/main" val="1"/>
+              <ma14:wrappingTextBoxFlag xmlns="" xmlns:ma14="http://schemas.microsoft.com/office/mac/drawingml/2011/main" val="1"/>
             </a:ext>
           </a:extLst>
         </p:spPr>
@@ -4052,114 +4149,154 @@
             </a:lvl1pPr>
           </a:lstStyle>
           <a:p>
-            <a:pPr/>
-            <a:r>
-              <a:t>Place any information about this point here.</a:t>
-            </a:r>
+            <a:r>
+              <a:rPr lang="en-US" dirty="0" smtClean="0"/>
+              <a:t>Issues we’ll take care – </a:t>
+            </a:r>
+          </a:p>
+          <a:p>
+            <a:endParaRPr lang="en-US" dirty="0" smtClean="0"/>
+          </a:p>
+          <a:p>
+            <a:pPr marL="342900" indent="-342900">
+              <a:buAutoNum type="arabicPeriod"/>
+            </a:pPr>
+            <a:r>
+              <a:rPr lang="en-US" sz="900" dirty="0" smtClean="0"/>
+              <a:t>Missing Data (deletion &amp; imputations</a:t>
+            </a:r>
+            <a:r>
+              <a:rPr lang="en-US" sz="900" dirty="0" smtClean="0"/>
+              <a:t>)</a:t>
+            </a:r>
+          </a:p>
+          <a:p>
+            <a:pPr marL="342900" indent="-342900">
+              <a:buAutoNum type="arabicPeriod"/>
+            </a:pPr>
+            <a:r>
+              <a:rPr lang="en-US" sz="900" dirty="0" smtClean="0"/>
+              <a:t>U</a:t>
+            </a:r>
+            <a:r>
+              <a:rPr lang="en-US" sz="900" dirty="0" smtClean="0"/>
+              <a:t>nderstand </a:t>
+            </a:r>
+            <a:r>
+              <a:rPr lang="en-US" sz="900" dirty="0" smtClean="0"/>
+              <a:t>the data distributions</a:t>
+            </a:r>
+            <a:endParaRPr lang="en-US" sz="900" dirty="0" smtClean="0"/>
+          </a:p>
+          <a:p>
+            <a:pPr marL="342900" indent="-342900">
+              <a:buAutoNum type="arabicPeriod"/>
+            </a:pPr>
+            <a:r>
+              <a:rPr lang="en-US" sz="900" dirty="0" smtClean="0"/>
+              <a:t>Duplicate data(remove)</a:t>
+            </a:r>
+          </a:p>
+          <a:p>
+            <a:pPr marL="342900" indent="-342900">
+              <a:buAutoNum type="arabicPeriod" startAt="3"/>
+            </a:pPr>
+            <a:r>
+              <a:rPr lang="en-US" sz="900" dirty="0" smtClean="0"/>
+              <a:t>Correcting labels to be </a:t>
+            </a:r>
+            <a:r>
+              <a:rPr lang="en-US" sz="900" dirty="0" smtClean="0"/>
+              <a:t>uniform ensuring consistency( e.g. ‘NSW ‘ or ‘New South Wales’ to be used, ‘M’ or ‘Male’ should be used)</a:t>
+            </a:r>
+            <a:endParaRPr lang="en-US" sz="900" dirty="0" smtClean="0"/>
+          </a:p>
+          <a:p>
+            <a:pPr marL="342900" indent="-342900">
+              <a:buAutoNum type="arabicPeriod" startAt="3"/>
+            </a:pPr>
+            <a:r>
+              <a:rPr lang="en-US" sz="900" dirty="0" smtClean="0"/>
+              <a:t>Dropping irrelevant features for </a:t>
+            </a:r>
+            <a:r>
+              <a:rPr lang="en-US" sz="900" dirty="0" smtClean="0"/>
+              <a:t>analysis</a:t>
+            </a:r>
+          </a:p>
+          <a:p>
+            <a:pPr marL="342900" indent="-342900">
+              <a:buAutoNum type="arabicPeriod" startAt="3"/>
+            </a:pPr>
+            <a:r>
+              <a:rPr lang="en-US" sz="900" dirty="0" smtClean="0"/>
+              <a:t>Removing multi-</a:t>
+            </a:r>
+            <a:r>
+              <a:rPr lang="en-US" sz="900" dirty="0" err="1" smtClean="0"/>
+              <a:t>colilnearity</a:t>
+            </a:r>
+            <a:r>
+              <a:rPr lang="en-US" sz="900" dirty="0" smtClean="0"/>
+              <a:t> (e.g. age &amp; tenure)</a:t>
+            </a:r>
+          </a:p>
+          <a:p>
+            <a:pPr marL="342900" indent="-342900">
+              <a:buAutoNum type="arabicPeriod" startAt="3"/>
+            </a:pPr>
+            <a:r>
+              <a:rPr lang="en-US" sz="900" dirty="0" smtClean="0"/>
+              <a:t>Looking for correlations</a:t>
+            </a:r>
+          </a:p>
+          <a:p>
+            <a:pPr marL="342900" indent="-342900">
+              <a:buAutoNum type="arabicPeriod" startAt="3"/>
+            </a:pPr>
+            <a:r>
+              <a:rPr lang="en-US" sz="900" dirty="0" smtClean="0"/>
+              <a:t>Encoding the categorical variables as required by the algorithms</a:t>
+            </a:r>
+          </a:p>
+          <a:p>
+            <a:pPr marL="342900" indent="-342900">
+              <a:buAutoNum type="arabicPeriod" startAt="3"/>
+            </a:pPr>
+            <a:r>
+              <a:rPr lang="en-US" sz="900" dirty="0" smtClean="0"/>
+              <a:t>Removing outliers if needed</a:t>
+            </a:r>
+          </a:p>
+          <a:p>
+            <a:pPr marL="342900" indent="-342900">
+              <a:buAutoNum type="arabicPeriod" startAt="3"/>
+            </a:pPr>
+            <a:r>
+              <a:rPr lang="en-US" sz="900" dirty="0" smtClean="0"/>
+              <a:t>Converting DOBs into age so that we can look for  patterns in age segments</a:t>
+            </a:r>
+          </a:p>
+          <a:p>
+            <a:pPr marL="342900" indent="-342900">
+              <a:buAutoNum type="arabicPeriod" startAt="3"/>
+            </a:pPr>
+            <a:r>
+              <a:rPr lang="en-US" sz="900" dirty="0" smtClean="0"/>
+              <a:t>Transforming  test data using Standard </a:t>
+            </a:r>
+            <a:r>
+              <a:rPr lang="en-US" sz="900" dirty="0" err="1" smtClean="0"/>
+              <a:t>Scaler,Encoding</a:t>
+            </a:r>
+            <a:r>
+              <a:rPr lang="en-US" sz="900" dirty="0" smtClean="0"/>
+              <a:t>  after fitting to the training data</a:t>
+            </a:r>
+            <a:endParaRPr sz="900"/>
           </a:p>
         </p:txBody>
       </p:sp>
-      <p:grpSp>
-        <p:nvGrpSpPr>
-          <p:cNvPr id="136" name="Shape 83"/>
-          <p:cNvGrpSpPr/>
-          <p:nvPr/>
-        </p:nvGrpSpPr>
-        <p:grpSpPr>
-          <a:xfrm>
-            <a:off x="4969974" y="2164724"/>
-            <a:ext cx="3800702" cy="2649302"/>
-            <a:chOff x="0" y="0"/>
-            <a:chExt cx="3800700" cy="2649300"/>
-          </a:xfrm>
-        </p:grpSpPr>
-        <p:sp>
-          <p:nvSpPr>
-            <p:cNvPr id="134" name="Rectangle"/>
-            <p:cNvSpPr/>
-            <p:nvPr/>
-          </p:nvSpPr>
-          <p:spPr>
-            <a:xfrm>
-              <a:off x="-1" y="-1"/>
-              <a:ext cx="3800702" cy="2649302"/>
-            </a:xfrm>
-            <a:prstGeom prst="rect">
-              <a:avLst/>
-            </a:prstGeom>
-            <a:solidFill>
-              <a:srgbClr val="EEEEEE"/>
-            </a:solidFill>
-            <a:ln w="12700" cap="flat">
-              <a:noFill/>
-              <a:miter lim="400000"/>
-            </a:ln>
-            <a:effectLst/>
-          </p:spPr>
-          <p:txBody>
-            <a:bodyPr wrap="square" lIns="45719" tIns="45719" rIns="45719" bIns="45719" numCol="1" anchor="ctr">
-              <a:noAutofit/>
-            </a:bodyPr>
-            <a:lstStyle/>
-            <a:p>
-              <a:pPr algn="ctr">
-                <a:defRPr>
-                  <a:solidFill>
-                    <a:srgbClr val="666666"/>
-                  </a:solidFill>
-                </a:defRPr>
-              </a:pPr>
-            </a:p>
-          </p:txBody>
-        </p:sp>
-        <p:sp>
-          <p:nvSpPr>
-            <p:cNvPr id="135" name="Place any supporting images, graphs, data or extra text here."/>
-            <p:cNvSpPr/>
-            <p:nvPr/>
-          </p:nvSpPr>
-          <p:spPr>
-            <a:xfrm>
-              <a:off x="-1" y="1032933"/>
-              <a:ext cx="3800702" cy="583434"/>
-            </a:xfrm>
-            <a:prstGeom prst="rect">
-              <a:avLst/>
-            </a:prstGeom>
-            <a:noFill/>
-            <a:ln w="12700" cap="flat">
-              <a:noFill/>
-              <a:miter lim="400000"/>
-            </a:ln>
-            <a:effectLst/>
-            <a:extLst>
-              <a:ext uri="{C572A759-6A51-4108-AA02-DFA0A04FC94B}">
-                <ma14:wrappingTextBoxFlag xmlns:ma14="http://schemas.microsoft.com/office/mac/drawingml/2011/main" val="1"/>
-              </a:ext>
-            </a:extLst>
-          </p:spPr>
-          <p:txBody>
-            <a:bodyPr wrap="square" lIns="91424" tIns="91424" rIns="91424" bIns="91424" numCol="1" anchor="ctr">
-              <a:spAutoFit/>
-            </a:bodyPr>
-            <a:lstStyle>
-              <a:lvl1pPr algn="ctr">
-                <a:defRPr>
-                  <a:solidFill>
-                    <a:srgbClr val="666666"/>
-                  </a:solidFill>
-                </a:defRPr>
-              </a:lvl1pPr>
-            </a:lstStyle>
-            <a:p>
-              <a:pPr/>
-              <a:r>
-                <a:t>Place any supporting images, graphs, data or extra text here.</a:t>
-              </a:r>
-            </a:p>
-          </p:txBody>
-        </p:sp>
-      </p:grpSp>
       <p:sp>
         <p:nvSpPr>
           <p:cNvPr id="137" name="Note: The data and information in this document is reflective of a hypothetical situation and client. This document is to be used for KPMG Virtual Internship purposes only."/>
@@ -4182,7 +4319,7 @@
           </a:ln>
           <a:extLst>
             <a:ext uri="{C572A759-6A51-4108-AA02-DFA0A04FC94B}">
-              <ma14:wrappingTextBoxFlag xmlns:ma14="http://schemas.microsoft.com/office/mac/drawingml/2011/main" val="1"/>
+              <ma14:wrappingTextBoxFlag xmlns="" xmlns:ma14="http://schemas.microsoft.com/office/mac/drawingml/2011/main" val="1"/>
             </a:ext>
           </a:extLst>
         </p:spPr>
@@ -4191,7 +4328,7 @@
           <a:lstStyle/>
           <a:p>
             <a:pPr defTabSz="457200">
-              <a:defRPr b="1" sz="500">
+              <a:defRPr sz="500" b="1">
                 <a:latin typeface="Calibri"/>
                 <a:ea typeface="Calibri"/>
                 <a:cs typeface="Calibri"/>
@@ -4205,6 +4342,199 @@
               <a:rPr b="0"/>
               <a:t>The data and information in this document is reflective of a hypothetical situation and client. This document is to be used for KPMG Virtual Internship purposes only. </a:t>
             </a:r>
+          </a:p>
+        </p:txBody>
+      </p:sp>
+      <p:sp>
+        <p:nvSpPr>
+          <p:cNvPr id="10" name="TextBox 9"/>
+          <p:cNvSpPr txBox="1"/>
+          <p:nvPr/>
+        </p:nvSpPr>
+        <p:spPr>
+          <a:xfrm>
+            <a:off x="228600" y="4552950"/>
+            <a:ext cx="3517949" cy="323163"/>
+          </a:xfrm>
+          <a:prstGeom prst="rect">
+            <a:avLst/>
+          </a:prstGeom>
+          <a:noFill/>
+          <a:ln w="12700" cap="flat">
+            <a:noFill/>
+            <a:miter lim="400000"/>
+          </a:ln>
+          <a:effectLst/>
+          <a:sp3d/>
+        </p:spPr>
+        <p:style>
+          <a:lnRef idx="0">
+            <a:scrgbClr r="0" g="0" b="0"/>
+          </a:lnRef>
+          <a:fillRef idx="0">
+            <a:scrgbClr r="0" g="0" b="0"/>
+          </a:fillRef>
+          <a:effectRef idx="0">
+            <a:scrgbClr r="0" g="0" b="0"/>
+          </a:effectRef>
+          <a:fontRef idx="none"/>
+        </p:style>
+        <p:txBody>
+          <a:bodyPr rot="0" spcFirstLastPara="1" vertOverflow="overflow" horzOverflow="overflow" vert="horz" wrap="none" lIns="45719" tIns="45719" rIns="45719" bIns="45719" numCol="1" spcCol="38100" rtlCol="0" anchor="t">
+            <a:spAutoFit/>
+          </a:bodyPr>
+          <a:lstStyle/>
+          <a:p>
+            <a:pPr marL="0" marR="0" indent="0" algn="l" defTabSz="914400" rtl="0" fontAlgn="auto" latinLnBrk="0" hangingPunct="0">
+              <a:lnSpc>
+                <a:spcPct val="100000"/>
+              </a:lnSpc>
+              <a:spcBef>
+                <a:spcPts val="0"/>
+              </a:spcBef>
+              <a:spcAft>
+                <a:spcPts val="0"/>
+              </a:spcAft>
+              <a:buClrTx/>
+              <a:buSzTx/>
+              <a:buFontTx/>
+              <a:buNone/>
+              <a:tabLst/>
+            </a:pPr>
+            <a:r>
+              <a:rPr kumimoji="0" lang="en-US" sz="1400" b="0" i="0" u="none" strike="noStrike" cap="none" spc="0" normalizeH="0" baseline="0" dirty="0" smtClean="0">
+                <a:ln>
+                  <a:noFill/>
+                </a:ln>
+                <a:solidFill>
+                  <a:srgbClr val="000000"/>
+                </a:solidFill>
+                <a:effectLst/>
+                <a:uFillTx/>
+                <a:latin typeface="+mn-lt"/>
+                <a:ea typeface="+mn-ea"/>
+                <a:cs typeface="+mn-cs"/>
+                <a:sym typeface="Arial"/>
+              </a:rPr>
+              <a:t>Why</a:t>
+            </a:r>
+            <a:r>
+              <a:rPr kumimoji="0" lang="en-US" sz="1400" b="0" i="0" u="none" strike="noStrike" cap="none" spc="0" normalizeH="0" dirty="0" smtClean="0">
+                <a:ln>
+                  <a:noFill/>
+                </a:ln>
+                <a:solidFill>
+                  <a:srgbClr val="000000"/>
+                </a:solidFill>
+                <a:effectLst/>
+                <a:uFillTx/>
+                <a:latin typeface="+mn-lt"/>
+                <a:ea typeface="+mn-ea"/>
+                <a:cs typeface="+mn-cs"/>
+                <a:sym typeface="Arial"/>
+              </a:rPr>
+              <a:t> essential – </a:t>
+            </a:r>
+            <a:r>
+              <a:rPr lang="en-US" sz="1500" dirty="0" smtClean="0">
+                <a:latin typeface="Open Sans"/>
+                <a:ea typeface="Open Sans"/>
+                <a:cs typeface="Open Sans"/>
+              </a:rPr>
+              <a:t>Garbage-in-Garbage-out</a:t>
+            </a:r>
+            <a:endParaRPr lang="en-US" sz="1500" dirty="0">
+              <a:latin typeface="Open Sans"/>
+              <a:ea typeface="Open Sans"/>
+              <a:cs typeface="Open Sans"/>
+            </a:endParaRPr>
+          </a:p>
+        </p:txBody>
+      </p:sp>
+      <p:pic>
+        <p:nvPicPr>
+          <p:cNvPr id="1026" name="Picture 2" descr="D:\Data Science Projects\Internships\KPMG internship\Data Insights.Targeting high value customers based on customer demographics and attributes\Designs\gigo.jpg"/>
+          <p:cNvPicPr>
+            <a:picLocks noChangeAspect="1" noChangeArrowheads="1"/>
+          </p:cNvPicPr>
+          <p:nvPr/>
+        </p:nvPicPr>
+        <p:blipFill>
+          <a:blip r:embed="rId2"/>
+          <a:srcRect/>
+          <a:stretch>
+            <a:fillRect/>
+          </a:stretch>
+        </p:blipFill>
+        <p:spPr bwMode="auto">
+          <a:xfrm>
+            <a:off x="5029200" y="1123950"/>
+            <a:ext cx="3505200" cy="3505200"/>
+          </a:xfrm>
+          <a:prstGeom prst="rect">
+            <a:avLst/>
+          </a:prstGeom>
+          <a:noFill/>
+        </p:spPr>
+      </p:pic>
+      <p:sp>
+        <p:nvSpPr>
+          <p:cNvPr id="12" name="TextBox 11"/>
+          <p:cNvSpPr txBox="1"/>
+          <p:nvPr/>
+        </p:nvSpPr>
+        <p:spPr>
+          <a:xfrm>
+            <a:off x="5257800" y="4705350"/>
+            <a:ext cx="3333603" cy="215442"/>
+          </a:xfrm>
+          <a:prstGeom prst="rect">
+            <a:avLst/>
+          </a:prstGeom>
+          <a:noFill/>
+          <a:ln w="12700" cap="flat">
+            <a:noFill/>
+            <a:miter lim="400000"/>
+          </a:ln>
+          <a:effectLst/>
+          <a:sp3d/>
+        </p:spPr>
+        <p:style>
+          <a:lnRef idx="0">
+            <a:scrgbClr r="0" g="0" b="0"/>
+          </a:lnRef>
+          <a:fillRef idx="0">
+            <a:scrgbClr r="0" g="0" b="0"/>
+          </a:fillRef>
+          <a:effectRef idx="0">
+            <a:scrgbClr r="0" g="0" b="0"/>
+          </a:effectRef>
+          <a:fontRef idx="none"/>
+        </p:style>
+        <p:txBody>
+          <a:bodyPr rot="0" spcFirstLastPara="1" vertOverflow="overflow" horzOverflow="overflow" vert="horz" wrap="none" lIns="45719" tIns="45719" rIns="45719" bIns="45719" numCol="1" spcCol="38100" rtlCol="0" anchor="t">
+            <a:spAutoFit/>
+          </a:bodyPr>
+          <a:lstStyle/>
+          <a:p>
+            <a:r>
+              <a:rPr lang="en-US" sz="800" dirty="0" smtClean="0"/>
+              <a:t>P.C. : https://thedailyomnivore.net/2015/12/02/garbage-in-garbage-out/</a:t>
+            </a:r>
+            <a:endParaRPr kumimoji="0" lang="en-US" sz="800" b="0" i="0" u="none" strike="noStrike" cap="none" spc="0" normalizeH="0" baseline="0" dirty="0">
+              <a:ln>
+                <a:noFill/>
+              </a:ln>
+              <a:solidFill>
+                <a:srgbClr val="000000"/>
+              </a:solidFill>
+              <a:effectLst/>
+              <a:uFillTx/>
+              <a:latin typeface="+mn-lt"/>
+              <a:ea typeface="+mn-ea"/>
+              <a:cs typeface="+mn-cs"/>
+              <a:sym typeface="Arial"/>
+            </a:endParaRPr>
           </a:p>
         </p:txBody>
       </p:sp>
@@ -4213,12 +4543,19 @@
   <p:clrMapOvr>
     <a:masterClrMapping/>
   </p:clrMapOvr>
-  <p:transition xmlns:p14="http://schemas.microsoft.com/office/powerpoint/2010/main" spd="med" advClick="1"/>
+  <p:transition spd="med"/>
+  <p:timing>
+    <p:tnLst>
+      <p:par>
+        <p:cTn id="1" dur="indefinite" restart="never" nodeType="tmRoot"/>
+      </p:par>
+    </p:tnLst>
+  </p:timing>
 </p:sld>
 </file>
 
 <file path=ppt/slides/slide5.xml><?xml version="1.0" encoding="utf-8"?>
-<p:sld xmlns:a="http://schemas.openxmlformats.org/drawingml/2006/main" xmlns:r="http://schemas.openxmlformats.org/officeDocument/2006/relationships" xmlns:p="http://schemas.openxmlformats.org/presentationml/2006/main" showMasterSp="1" showMasterPhAnim="1">
+<p:sld xmlns:a="http://schemas.openxmlformats.org/drawingml/2006/main" xmlns:r="http://schemas.openxmlformats.org/officeDocument/2006/relationships" xmlns:p="http://schemas.openxmlformats.org/presentationml/2006/main">
   <p:cSld>
     <p:spTree>
       <p:nvGrpSpPr>
@@ -4267,7 +4604,7 @@
           <a:bodyPr lIns="45719" rIns="45719" anchor="ctr"/>
           <a:lstStyle/>
           <a:p>
-            <a:pPr/>
+            <a:endParaRPr/>
           </a:p>
         </p:txBody>
       </p:sp>
@@ -4290,7 +4627,7 @@
           </a:ln>
           <a:extLst>
             <a:ext uri="{C572A759-6A51-4108-AA02-DFA0A04FC94B}">
-              <ma14:wrappingTextBoxFlag xmlns:ma14="http://schemas.microsoft.com/office/mac/drawingml/2011/main" val="1"/>
+              <ma14:wrappingTextBoxFlag xmlns="" xmlns:ma14="http://schemas.microsoft.com/office/mac/drawingml/2011/main" val="1"/>
             </a:ext>
           </a:extLst>
         </p:spPr>
@@ -4300,7 +4637,7 @@
           </a:bodyPr>
           <a:lstStyle>
             <a:lvl1pPr>
-              <a:defRPr b="1" sz="2000">
+              <a:defRPr sz="2000" b="1">
                 <a:solidFill>
                   <a:srgbClr val="FFFFFF"/>
                 </a:solidFill>
@@ -4308,7 +4645,6 @@
             </a:lvl1pPr>
           </a:lstStyle>
           <a:p>
-            <a:pPr/>
             <a:r>
               <a:t>Model Development</a:t>
             </a:r>
@@ -4324,7 +4660,7 @@
         <p:spPr>
           <a:xfrm>
             <a:off x="205025" y="1083299"/>
-            <a:ext cx="8565600" cy="920086"/>
+            <a:ext cx="8565600" cy="508505"/>
           </a:xfrm>
           <a:prstGeom prst="rect">
             <a:avLst/>
@@ -4334,7 +4670,7 @@
           </a:ln>
           <a:extLst>
             <a:ext uri="{C572A759-6A51-4108-AA02-DFA0A04FC94B}">
-              <ma14:wrappingTextBoxFlag xmlns:ma14="http://schemas.microsoft.com/office/mac/drawingml/2011/main" val="1"/>
+              <ma14:wrappingTextBoxFlag xmlns="" xmlns:ma14="http://schemas.microsoft.com/office/mac/drawingml/2011/main" val="1"/>
             </a:ext>
           </a:extLst>
         </p:spPr>
@@ -4347,7 +4683,7 @@
               <a:lnSpc>
                 <a:spcPct val="115000"/>
               </a:lnSpc>
-              <a:defRPr b="1" sz="2000">
+              <a:defRPr sz="2000" b="1">
                 <a:latin typeface="Open Sans"/>
                 <a:ea typeface="Open Sans"/>
                 <a:cs typeface="Open Sans"/>
@@ -4356,10 +4692,11 @@
             </a:lvl1pPr>
           </a:lstStyle>
           <a:p>
-            <a:pPr/>
-            <a:r>
-              <a:t>Place headline insight or information here. This should be the most important point for this slide.</a:t>
-            </a:r>
+            <a:r>
+              <a:rPr lang="en-US" dirty="0" smtClean="0"/>
+              <a:t>Looking for pattern in the data</a:t>
+            </a:r>
+            <a:endParaRPr/>
           </a:p>
         </p:txBody>
       </p:sp>
@@ -4371,8 +4708,8 @@
         </p:nvSpPr>
         <p:spPr>
           <a:xfrm>
-            <a:off x="205025" y="2164724"/>
-            <a:ext cx="4134600" cy="436851"/>
+            <a:off x="228600" y="1885950"/>
+            <a:ext cx="4134600" cy="1777377"/>
           </a:xfrm>
           <a:prstGeom prst="rect">
             <a:avLst/>
@@ -4382,7 +4719,7 @@
           </a:ln>
           <a:extLst>
             <a:ext uri="{C572A759-6A51-4108-AA02-DFA0A04FC94B}">
-              <ma14:wrappingTextBoxFlag xmlns:ma14="http://schemas.microsoft.com/office/mac/drawingml/2011/main" val="1"/>
+              <ma14:wrappingTextBoxFlag xmlns="" xmlns:ma14="http://schemas.microsoft.com/office/mac/drawingml/2011/main" val="1"/>
             </a:ext>
           </a:extLst>
         </p:spPr>
@@ -4404,114 +4741,149 @@
             </a:lvl1pPr>
           </a:lstStyle>
           <a:p>
-            <a:pPr/>
-            <a:r>
-              <a:t>Place any information about this point here.</a:t>
-            </a:r>
+            <a:pPr marL="342900" indent="-342900">
+              <a:buAutoNum type="arabicPeriod"/>
+            </a:pPr>
+            <a:r>
+              <a:rPr lang="en-US" sz="900" dirty="0" smtClean="0"/>
+              <a:t>Input – Pre-processed data</a:t>
+            </a:r>
+          </a:p>
+          <a:p>
+            <a:pPr marL="342900" indent="-342900"/>
+            <a:r>
+              <a:rPr lang="en-US" sz="900" dirty="0" smtClean="0"/>
+              <a:t>      </a:t>
+            </a:r>
+            <a:r>
+              <a:rPr lang="en-US" sz="900" dirty="0" smtClean="0"/>
+              <a:t>     Output </a:t>
+            </a:r>
+            <a:r>
+              <a:rPr lang="en-US" sz="900" dirty="0" smtClean="0"/>
+              <a:t>– </a:t>
+            </a:r>
+            <a:r>
+              <a:rPr lang="en-US" sz="900" dirty="0" smtClean="0"/>
+              <a:t>Predictions </a:t>
+            </a:r>
+            <a:endParaRPr lang="en-US" sz="900" dirty="0" smtClean="0"/>
+          </a:p>
+          <a:p>
+            <a:pPr marL="342900" indent="-342900">
+              <a:buAutoNum type="arabicPeriod" startAt="2"/>
+            </a:pPr>
+            <a:r>
+              <a:rPr lang="en-US" sz="900" dirty="0" smtClean="0"/>
+              <a:t>Test the model </a:t>
+            </a:r>
+            <a:r>
+              <a:rPr lang="en-US" sz="900" dirty="0" smtClean="0"/>
+              <a:t>with validation data derived from a part of training data</a:t>
+            </a:r>
+            <a:endParaRPr lang="en-US" sz="900" dirty="0" smtClean="0"/>
+          </a:p>
+          <a:p>
+            <a:pPr marL="342900" indent="-342900">
+              <a:buFontTx/>
+              <a:buAutoNum type="arabicPeriod" startAt="2"/>
+            </a:pPr>
+            <a:r>
+              <a:rPr lang="en-US" sz="900" dirty="0" smtClean="0"/>
+              <a:t>Why  error -  model is not well fitted to training data, not able to capture the pattern</a:t>
+            </a:r>
+          </a:p>
+          <a:p>
+            <a:pPr marL="342900" indent="-342900">
+              <a:buFontTx/>
+              <a:buAutoNum type="arabicPeriod" startAt="2"/>
+            </a:pPr>
+            <a:r>
+              <a:rPr lang="en-US" sz="900" dirty="0" smtClean="0"/>
+              <a:t>Beware of </a:t>
+            </a:r>
+            <a:r>
+              <a:rPr lang="en-US" sz="900" dirty="0" err="1" smtClean="0"/>
+              <a:t>Overfitting</a:t>
+            </a:r>
+            <a:r>
+              <a:rPr lang="en-US" sz="900" dirty="0" smtClean="0"/>
+              <a:t> &amp; </a:t>
+            </a:r>
+            <a:r>
+              <a:rPr lang="en-US" sz="900" dirty="0" err="1" smtClean="0"/>
+              <a:t>Underfitting</a:t>
+            </a:r>
+            <a:r>
+              <a:rPr lang="en-US" sz="900" dirty="0" smtClean="0"/>
+              <a:t> problems</a:t>
+            </a:r>
+          </a:p>
+          <a:p>
+            <a:pPr marL="342900" indent="-342900">
+              <a:buFontTx/>
+              <a:buAutoNum type="arabicPeriod" startAt="2"/>
+            </a:pPr>
+            <a:r>
+              <a:rPr lang="en-US" sz="900" dirty="0" smtClean="0"/>
+              <a:t>Model should </a:t>
+            </a:r>
+            <a:r>
+              <a:rPr lang="en-US" sz="900" dirty="0" smtClean="0"/>
+              <a:t>generalize</a:t>
+            </a:r>
+          </a:p>
+          <a:p>
+            <a:pPr marL="342900" indent="-342900">
+              <a:buFontTx/>
+              <a:buAutoNum type="arabicPeriod" startAt="2"/>
+            </a:pPr>
+            <a:r>
+              <a:rPr lang="en-US" sz="900" dirty="0" smtClean="0"/>
+              <a:t>Choosing the right metric for </a:t>
+            </a:r>
+            <a:r>
+              <a:rPr lang="en-US" sz="900" dirty="0" smtClean="0"/>
+              <a:t>evaluation</a:t>
+            </a:r>
+            <a:endParaRPr lang="en-US" sz="900" dirty="0" smtClean="0"/>
+          </a:p>
+          <a:p>
+            <a:pPr marL="342900" indent="-342900">
+              <a:buFontTx/>
+              <a:buAutoNum type="arabicPeriod" startAt="2"/>
+            </a:pPr>
+            <a:r>
+              <a:rPr lang="en-US" sz="900" dirty="0" smtClean="0"/>
+              <a:t>Tune </a:t>
+            </a:r>
+            <a:r>
+              <a:rPr lang="en-US" sz="900" dirty="0" err="1" smtClean="0"/>
+              <a:t>hyperparameters</a:t>
+            </a:r>
+            <a:endParaRPr lang="en-US" sz="900" dirty="0" smtClean="0"/>
+          </a:p>
+          <a:p>
+            <a:pPr marL="342900" indent="-342900">
+              <a:buFontTx/>
+              <a:buAutoNum type="arabicPeriod" startAt="2"/>
+            </a:pPr>
+            <a:r>
+              <a:rPr lang="en-US" sz="900" dirty="0" smtClean="0"/>
+              <a:t>Finally evaluating on the </a:t>
+            </a:r>
+            <a:r>
+              <a:rPr lang="en-US" sz="900" dirty="0" smtClean="0"/>
+              <a:t>new  </a:t>
+            </a:r>
+            <a:r>
+              <a:rPr lang="en-US" sz="900" dirty="0" err="1" smtClean="0"/>
+              <a:t>NewCustomerList</a:t>
+            </a:r>
+            <a:endParaRPr lang="en-US" sz="900" dirty="0" smtClean="0"/>
           </a:p>
         </p:txBody>
       </p:sp>
-      <p:grpSp>
-        <p:nvGrpSpPr>
-          <p:cNvPr id="145" name="Shape 92"/>
-          <p:cNvGrpSpPr/>
-          <p:nvPr/>
-        </p:nvGrpSpPr>
-        <p:grpSpPr>
-          <a:xfrm>
-            <a:off x="4969974" y="2164724"/>
-            <a:ext cx="3800702" cy="2649302"/>
-            <a:chOff x="0" y="0"/>
-            <a:chExt cx="3800700" cy="2649300"/>
-          </a:xfrm>
-        </p:grpSpPr>
-        <p:sp>
-          <p:nvSpPr>
-            <p:cNvPr id="143" name="Rectangle"/>
-            <p:cNvSpPr/>
-            <p:nvPr/>
-          </p:nvSpPr>
-          <p:spPr>
-            <a:xfrm>
-              <a:off x="-1" y="-1"/>
-              <a:ext cx="3800702" cy="2649302"/>
-            </a:xfrm>
-            <a:prstGeom prst="rect">
-              <a:avLst/>
-            </a:prstGeom>
-            <a:solidFill>
-              <a:srgbClr val="EEEEEE"/>
-            </a:solidFill>
-            <a:ln w="12700" cap="flat">
-              <a:noFill/>
-              <a:miter lim="400000"/>
-            </a:ln>
-            <a:effectLst/>
-          </p:spPr>
-          <p:txBody>
-            <a:bodyPr wrap="square" lIns="45719" tIns="45719" rIns="45719" bIns="45719" numCol="1" anchor="ctr">
-              <a:noAutofit/>
-            </a:bodyPr>
-            <a:lstStyle/>
-            <a:p>
-              <a:pPr algn="ctr">
-                <a:defRPr>
-                  <a:solidFill>
-                    <a:srgbClr val="666666"/>
-                  </a:solidFill>
-                </a:defRPr>
-              </a:pPr>
-            </a:p>
-          </p:txBody>
-        </p:sp>
-        <p:sp>
-          <p:nvSpPr>
-            <p:cNvPr id="144" name="Place any supporting images, graphs, data or extra text here."/>
-            <p:cNvSpPr/>
-            <p:nvPr/>
-          </p:nvSpPr>
-          <p:spPr>
-            <a:xfrm>
-              <a:off x="-1" y="1032933"/>
-              <a:ext cx="3800702" cy="583434"/>
-            </a:xfrm>
-            <a:prstGeom prst="rect">
-              <a:avLst/>
-            </a:prstGeom>
-            <a:noFill/>
-            <a:ln w="12700" cap="flat">
-              <a:noFill/>
-              <a:miter lim="400000"/>
-            </a:ln>
-            <a:effectLst/>
-            <a:extLst>
-              <a:ext uri="{C572A759-6A51-4108-AA02-DFA0A04FC94B}">
-                <ma14:wrappingTextBoxFlag xmlns:ma14="http://schemas.microsoft.com/office/mac/drawingml/2011/main" val="1"/>
-              </a:ext>
-            </a:extLst>
-          </p:spPr>
-          <p:txBody>
-            <a:bodyPr wrap="square" lIns="91424" tIns="91424" rIns="91424" bIns="91424" numCol="1" anchor="ctr">
-              <a:spAutoFit/>
-            </a:bodyPr>
-            <a:lstStyle>
-              <a:lvl1pPr algn="ctr">
-                <a:defRPr>
-                  <a:solidFill>
-                    <a:srgbClr val="666666"/>
-                  </a:solidFill>
-                </a:defRPr>
-              </a:lvl1pPr>
-            </a:lstStyle>
-            <a:p>
-              <a:pPr/>
-              <a:r>
-                <a:t>Place any supporting images, graphs, data or extra text here.</a:t>
-              </a:r>
-            </a:p>
-          </p:txBody>
-        </p:sp>
-      </p:grpSp>
       <p:sp>
         <p:nvSpPr>
           <p:cNvPr id="146" name="Note: The data and information in this document is reflective of a hypothetical situation and client. This document is to be used for KPMG Virtual Internship purposes only."/>
@@ -4534,7 +4906,7 @@
           </a:ln>
           <a:extLst>
             <a:ext uri="{C572A759-6A51-4108-AA02-DFA0A04FC94B}">
-              <ma14:wrappingTextBoxFlag xmlns:ma14="http://schemas.microsoft.com/office/mac/drawingml/2011/main" val="1"/>
+              <ma14:wrappingTextBoxFlag xmlns="" xmlns:ma14="http://schemas.microsoft.com/office/mac/drawingml/2011/main" val="1"/>
             </a:ext>
           </a:extLst>
         </p:spPr>
@@ -4543,7 +4915,7 @@
           <a:lstStyle/>
           <a:p>
             <a:pPr defTabSz="457200">
-              <a:defRPr b="1" sz="500">
+              <a:defRPr sz="500" b="1">
                 <a:latin typeface="Calibri"/>
                 <a:ea typeface="Calibri"/>
                 <a:cs typeface="Calibri"/>
@@ -4557,6 +4929,93 @@
               <a:rPr b="0"/>
               <a:t>The data and information in this document is reflective of a hypothetical situation and client. This document is to be used for KPMG Virtual Internship purposes only. </a:t>
             </a:r>
+          </a:p>
+        </p:txBody>
+      </p:sp>
+      <p:pic>
+        <p:nvPicPr>
+          <p:cNvPr id="2050" name="Picture 2" descr="D:\Data Science Projects\Internships\KPMG internship\Data Insights.Targeting high value customers based on customer demographics and attributes\Designs\Model building.jpg"/>
+          <p:cNvPicPr>
+            <a:picLocks noChangeAspect="1" noChangeArrowheads="1"/>
+          </p:cNvPicPr>
+          <p:nvPr/>
+        </p:nvPicPr>
+        <p:blipFill>
+          <a:blip r:embed="rId2"/>
+          <a:srcRect/>
+          <a:stretch>
+            <a:fillRect/>
+          </a:stretch>
+        </p:blipFill>
+        <p:spPr bwMode="auto">
+          <a:xfrm>
+            <a:off x="5105400" y="1644803"/>
+            <a:ext cx="3276600" cy="3006855"/>
+          </a:xfrm>
+          <a:prstGeom prst="rect">
+            <a:avLst/>
+          </a:prstGeom>
+          <a:noFill/>
+        </p:spPr>
+      </p:pic>
+      <p:sp>
+        <p:nvSpPr>
+          <p:cNvPr id="11" name="TextBox 10"/>
+          <p:cNvSpPr txBox="1"/>
+          <p:nvPr/>
+        </p:nvSpPr>
+        <p:spPr>
+          <a:xfrm>
+            <a:off x="4953000" y="4705350"/>
+            <a:ext cx="3881830" cy="215442"/>
+          </a:xfrm>
+          <a:prstGeom prst="rect">
+            <a:avLst/>
+          </a:prstGeom>
+          <a:noFill/>
+          <a:ln w="12700" cap="flat">
+            <a:noFill/>
+            <a:miter lim="400000"/>
+          </a:ln>
+          <a:effectLst/>
+          <a:sp3d/>
+        </p:spPr>
+        <p:style>
+          <a:lnRef idx="0">
+            <a:scrgbClr r="0" g="0" b="0"/>
+          </a:lnRef>
+          <a:fillRef idx="0">
+            <a:scrgbClr r="0" g="0" b="0"/>
+          </a:fillRef>
+          <a:effectRef idx="0">
+            <a:scrgbClr r="0" g="0" b="0"/>
+          </a:effectRef>
+          <a:fontRef idx="none"/>
+        </p:style>
+        <p:txBody>
+          <a:bodyPr rot="0" spcFirstLastPara="1" vertOverflow="overflow" horzOverflow="overflow" vert="horz" wrap="none" lIns="45719" tIns="45719" rIns="45719" bIns="45719" numCol="1" spcCol="38100" rtlCol="0" anchor="t">
+            <a:spAutoFit/>
+          </a:bodyPr>
+          <a:lstStyle/>
+          <a:p>
+            <a:r>
+              <a:rPr lang="en-US" sz="800" dirty="0" smtClean="0"/>
+              <a:t>P.C. : https://livebook.manning.com/book/real-world-machine-learning/chapter-3/11</a:t>
+            </a:r>
+            <a:endParaRPr kumimoji="0" lang="en-US" sz="800" b="0" i="0" u="none" strike="noStrike" cap="none" spc="0" normalizeH="0" baseline="0" dirty="0">
+              <a:ln>
+                <a:noFill/>
+              </a:ln>
+              <a:solidFill>
+                <a:srgbClr val="000000"/>
+              </a:solidFill>
+              <a:effectLst/>
+              <a:uFillTx/>
+              <a:latin typeface="+mn-lt"/>
+              <a:ea typeface="+mn-ea"/>
+              <a:cs typeface="+mn-cs"/>
+              <a:sym typeface="Arial"/>
+            </a:endParaRPr>
           </a:p>
         </p:txBody>
       </p:sp>
@@ -4565,12 +5024,19 @@
   <p:clrMapOvr>
     <a:masterClrMapping/>
   </p:clrMapOvr>
-  <p:transition xmlns:p14="http://schemas.microsoft.com/office/powerpoint/2010/main" spd="med" advClick="1"/>
+  <p:transition spd="med"/>
+  <p:timing>
+    <p:tnLst>
+      <p:par>
+        <p:cTn id="1" dur="indefinite" restart="never" nodeType="tmRoot"/>
+      </p:par>
+    </p:tnLst>
+  </p:timing>
 </p:sld>
 </file>
 
 <file path=ppt/slides/slide6.xml><?xml version="1.0" encoding="utf-8"?>
-<p:sld xmlns:a="http://schemas.openxmlformats.org/drawingml/2006/main" xmlns:r="http://schemas.openxmlformats.org/officeDocument/2006/relationships" xmlns:p="http://schemas.openxmlformats.org/presentationml/2006/main" showMasterSp="1" showMasterPhAnim="1">
+<p:sld xmlns:a="http://schemas.openxmlformats.org/drawingml/2006/main" xmlns:r="http://schemas.openxmlformats.org/officeDocument/2006/relationships" xmlns:p="http://schemas.openxmlformats.org/presentationml/2006/main">
   <p:cSld>
     <p:spTree>
       <p:nvGrpSpPr>
@@ -4619,7 +5085,7 @@
           <a:bodyPr lIns="45719" rIns="45719" anchor="ctr"/>
           <a:lstStyle/>
           <a:p>
-            <a:pPr/>
+            <a:endParaRPr/>
           </a:p>
         </p:txBody>
       </p:sp>
@@ -4642,7 +5108,7 @@
           </a:ln>
           <a:extLst>
             <a:ext uri="{C572A759-6A51-4108-AA02-DFA0A04FC94B}">
-              <ma14:wrappingTextBoxFlag xmlns:ma14="http://schemas.microsoft.com/office/mac/drawingml/2011/main" val="1"/>
+              <ma14:wrappingTextBoxFlag xmlns="" xmlns:ma14="http://schemas.microsoft.com/office/mac/drawingml/2011/main" val="1"/>
             </a:ext>
           </a:extLst>
         </p:spPr>
@@ -4652,7 +5118,7 @@
           </a:bodyPr>
           <a:lstStyle>
             <a:lvl1pPr>
-              <a:defRPr b="1" sz="2000">
+              <a:defRPr sz="2000" b="1">
                 <a:solidFill>
                   <a:srgbClr val="FFFFFF"/>
                 </a:solidFill>
@@ -4660,7 +5126,6 @@
             </a:lvl1pPr>
           </a:lstStyle>
           <a:p>
-            <a:pPr/>
             <a:r>
               <a:t>Interpretation</a:t>
             </a:r>
@@ -4676,7 +5141,7 @@
         <p:spPr>
           <a:xfrm>
             <a:off x="205025" y="1083299"/>
-            <a:ext cx="8565600" cy="920086"/>
+            <a:ext cx="8565600" cy="508505"/>
           </a:xfrm>
           <a:prstGeom prst="rect">
             <a:avLst/>
@@ -4686,7 +5151,7 @@
           </a:ln>
           <a:extLst>
             <a:ext uri="{C572A759-6A51-4108-AA02-DFA0A04FC94B}">
-              <ma14:wrappingTextBoxFlag xmlns:ma14="http://schemas.microsoft.com/office/mac/drawingml/2011/main" val="1"/>
+              <ma14:wrappingTextBoxFlag xmlns="" xmlns:ma14="http://schemas.microsoft.com/office/mac/drawingml/2011/main" val="1"/>
             </a:ext>
           </a:extLst>
         </p:spPr>
@@ -4699,7 +5164,7 @@
               <a:lnSpc>
                 <a:spcPct val="115000"/>
               </a:lnSpc>
-              <a:defRPr b="1" sz="2000">
+              <a:defRPr sz="2000" b="1">
                 <a:latin typeface="Open Sans"/>
                 <a:ea typeface="Open Sans"/>
                 <a:cs typeface="Open Sans"/>
@@ -4708,10 +5173,11 @@
             </a:lvl1pPr>
           </a:lstStyle>
           <a:p>
-            <a:pPr/>
-            <a:r>
-              <a:t>Place headline insight or information here. This should be the most important point for this slide.</a:t>
-            </a:r>
+            <a:r>
+              <a:rPr lang="en-US" dirty="0" smtClean="0"/>
+              <a:t>Who are those potential customers?</a:t>
+            </a:r>
+            <a:endParaRPr/>
           </a:p>
         </p:txBody>
       </p:sp>
@@ -4724,7 +5190,7 @@
         <p:spPr>
           <a:xfrm>
             <a:off x="205025" y="2164724"/>
-            <a:ext cx="4134600" cy="436851"/>
+            <a:ext cx="4134600" cy="648863"/>
           </a:xfrm>
           <a:prstGeom prst="rect">
             <a:avLst/>
@@ -4734,7 +5200,7 @@
           </a:ln>
           <a:extLst>
             <a:ext uri="{C572A759-6A51-4108-AA02-DFA0A04FC94B}">
-              <ma14:wrappingTextBoxFlag xmlns:ma14="http://schemas.microsoft.com/office/mac/drawingml/2011/main" val="1"/>
+              <ma14:wrappingTextBoxFlag xmlns="" xmlns:ma14="http://schemas.microsoft.com/office/mac/drawingml/2011/main" val="1"/>
             </a:ext>
           </a:extLst>
         </p:spPr>
@@ -4756,114 +5222,45 @@
             </a:lvl1pPr>
           </a:lstStyle>
           <a:p>
-            <a:pPr/>
-            <a:r>
-              <a:t>Place any information about this point here.</a:t>
-            </a:r>
+            <a:pPr marL="342900" indent="-342900">
+              <a:buAutoNum type="arabicPeriod"/>
+            </a:pPr>
+            <a:r>
+              <a:rPr lang="en-US" sz="900" dirty="0" smtClean="0"/>
+              <a:t>Find out potential customers from the built </a:t>
+            </a:r>
+            <a:r>
+              <a:rPr lang="en-US" sz="900" dirty="0" smtClean="0"/>
+              <a:t>model</a:t>
+            </a:r>
+            <a:endParaRPr lang="en-US" sz="900" dirty="0" smtClean="0"/>
+          </a:p>
+          <a:p>
+            <a:pPr marL="342900" indent="-342900">
+              <a:buAutoNum type="arabicPeriod"/>
+            </a:pPr>
+            <a:r>
+              <a:rPr lang="en-US" sz="900" dirty="0" smtClean="0"/>
+              <a:t>Interpretations of </a:t>
+            </a:r>
+            <a:r>
+              <a:rPr lang="en-US" sz="900" dirty="0" smtClean="0"/>
+              <a:t>Visualizations</a:t>
+            </a:r>
+            <a:endParaRPr lang="en-US" sz="900" dirty="0" smtClean="0"/>
+          </a:p>
+          <a:p>
+            <a:pPr marL="342900" indent="-342900">
+              <a:buAutoNum type="arabicPeriod"/>
+            </a:pPr>
+            <a:r>
+              <a:rPr lang="en-US" sz="900" dirty="0" smtClean="0"/>
+              <a:t>Interpretation of results obtained</a:t>
+            </a:r>
+            <a:endParaRPr sz="900"/>
           </a:p>
         </p:txBody>
       </p:sp>
-      <p:grpSp>
-        <p:nvGrpSpPr>
-          <p:cNvPr id="154" name="Shape 101"/>
-          <p:cNvGrpSpPr/>
-          <p:nvPr/>
-        </p:nvGrpSpPr>
-        <p:grpSpPr>
-          <a:xfrm>
-            <a:off x="4969974" y="2164724"/>
-            <a:ext cx="3800702" cy="2649302"/>
-            <a:chOff x="0" y="0"/>
-            <a:chExt cx="3800700" cy="2649300"/>
-          </a:xfrm>
-        </p:grpSpPr>
-        <p:sp>
-          <p:nvSpPr>
-            <p:cNvPr id="152" name="Rectangle"/>
-            <p:cNvSpPr/>
-            <p:nvPr/>
-          </p:nvSpPr>
-          <p:spPr>
-            <a:xfrm>
-              <a:off x="-1" y="-1"/>
-              <a:ext cx="3800702" cy="2649302"/>
-            </a:xfrm>
-            <a:prstGeom prst="rect">
-              <a:avLst/>
-            </a:prstGeom>
-            <a:solidFill>
-              <a:srgbClr val="EEEEEE"/>
-            </a:solidFill>
-            <a:ln w="12700" cap="flat">
-              <a:noFill/>
-              <a:miter lim="400000"/>
-            </a:ln>
-            <a:effectLst/>
-          </p:spPr>
-          <p:txBody>
-            <a:bodyPr wrap="square" lIns="45719" tIns="45719" rIns="45719" bIns="45719" numCol="1" anchor="ctr">
-              <a:noAutofit/>
-            </a:bodyPr>
-            <a:lstStyle/>
-            <a:p>
-              <a:pPr algn="ctr">
-                <a:defRPr>
-                  <a:solidFill>
-                    <a:srgbClr val="666666"/>
-                  </a:solidFill>
-                </a:defRPr>
-              </a:pPr>
-            </a:p>
-          </p:txBody>
-        </p:sp>
-        <p:sp>
-          <p:nvSpPr>
-            <p:cNvPr id="153" name="Place any supporting images, graphs, data or extra text here."/>
-            <p:cNvSpPr/>
-            <p:nvPr/>
-          </p:nvSpPr>
-          <p:spPr>
-            <a:xfrm>
-              <a:off x="-1" y="1032933"/>
-              <a:ext cx="3800702" cy="583434"/>
-            </a:xfrm>
-            <a:prstGeom prst="rect">
-              <a:avLst/>
-            </a:prstGeom>
-            <a:noFill/>
-            <a:ln w="12700" cap="flat">
-              <a:noFill/>
-              <a:miter lim="400000"/>
-            </a:ln>
-            <a:effectLst/>
-            <a:extLst>
-              <a:ext uri="{C572A759-6A51-4108-AA02-DFA0A04FC94B}">
-                <ma14:wrappingTextBoxFlag xmlns:ma14="http://schemas.microsoft.com/office/mac/drawingml/2011/main" val="1"/>
-              </a:ext>
-            </a:extLst>
-          </p:spPr>
-          <p:txBody>
-            <a:bodyPr wrap="square" lIns="91424" tIns="91424" rIns="91424" bIns="91424" numCol="1" anchor="ctr">
-              <a:spAutoFit/>
-            </a:bodyPr>
-            <a:lstStyle>
-              <a:lvl1pPr algn="ctr">
-                <a:defRPr>
-                  <a:solidFill>
-                    <a:srgbClr val="666666"/>
-                  </a:solidFill>
-                </a:defRPr>
-              </a:lvl1pPr>
-            </a:lstStyle>
-            <a:p>
-              <a:pPr/>
-              <a:r>
-                <a:t>Place any supporting images, graphs, data or extra text here.</a:t>
-              </a:r>
-            </a:p>
-          </p:txBody>
-        </p:sp>
-      </p:grpSp>
       <p:sp>
         <p:nvSpPr>
           <p:cNvPr id="155" name="Note: The data and information in this document is reflective of a hypothetical situation and client. This document is to be used for KPMG Virtual Internship purposes only."/>
@@ -4886,7 +5283,7 @@
           </a:ln>
           <a:extLst>
             <a:ext uri="{C572A759-6A51-4108-AA02-DFA0A04FC94B}">
-              <ma14:wrappingTextBoxFlag xmlns:ma14="http://schemas.microsoft.com/office/mac/drawingml/2011/main" val="1"/>
+              <ma14:wrappingTextBoxFlag xmlns="" xmlns:ma14="http://schemas.microsoft.com/office/mac/drawingml/2011/main" val="1"/>
             </a:ext>
           </a:extLst>
         </p:spPr>
@@ -4895,7 +5292,7 @@
           <a:lstStyle/>
           <a:p>
             <a:pPr defTabSz="457200">
-              <a:defRPr b="1" sz="500">
+              <a:defRPr sz="500" b="1">
                 <a:latin typeface="Calibri"/>
                 <a:ea typeface="Calibri"/>
                 <a:cs typeface="Calibri"/>
@@ -4909,6 +5306,93 @@
               <a:rPr b="0"/>
               <a:t>The data and information in this document is reflective of a hypothetical situation and client. This document is to be used for KPMG Virtual Internship purposes only. </a:t>
             </a:r>
+          </a:p>
+        </p:txBody>
+      </p:sp>
+      <p:pic>
+        <p:nvPicPr>
+          <p:cNvPr id="3074" name="Picture 2" descr="D:\Data Science Projects\Internships\KPMG internship\Data Insights.Targeting high value customers based on customer demographics and attributes\Designs\customer-segment.jpg"/>
+          <p:cNvPicPr>
+            <a:picLocks noChangeAspect="1" noChangeArrowheads="1"/>
+          </p:cNvPicPr>
+          <p:nvPr/>
+        </p:nvPicPr>
+        <p:blipFill>
+          <a:blip r:embed="rId2"/>
+          <a:srcRect/>
+          <a:stretch>
+            <a:fillRect/>
+          </a:stretch>
+        </p:blipFill>
+        <p:spPr bwMode="auto">
+          <a:xfrm>
+            <a:off x="4724400" y="1657350"/>
+            <a:ext cx="4010276" cy="2790825"/>
+          </a:xfrm>
+          <a:prstGeom prst="rect">
+            <a:avLst/>
+          </a:prstGeom>
+          <a:noFill/>
+        </p:spPr>
+      </p:pic>
+      <p:sp>
+        <p:nvSpPr>
+          <p:cNvPr id="11" name="TextBox 10"/>
+          <p:cNvSpPr txBox="1"/>
+          <p:nvPr/>
+        </p:nvSpPr>
+        <p:spPr>
+          <a:xfrm>
+            <a:off x="5715000" y="4552950"/>
+            <a:ext cx="2605840" cy="215442"/>
+          </a:xfrm>
+          <a:prstGeom prst="rect">
+            <a:avLst/>
+          </a:prstGeom>
+          <a:noFill/>
+          <a:ln w="12700" cap="flat">
+            <a:noFill/>
+            <a:miter lim="400000"/>
+          </a:ln>
+          <a:effectLst/>
+          <a:sp3d/>
+        </p:spPr>
+        <p:style>
+          <a:lnRef idx="0">
+            <a:scrgbClr r="0" g="0" b="0"/>
+          </a:lnRef>
+          <a:fillRef idx="0">
+            <a:scrgbClr r="0" g="0" b="0"/>
+          </a:fillRef>
+          <a:effectRef idx="0">
+            <a:scrgbClr r="0" g="0" b="0"/>
+          </a:effectRef>
+          <a:fontRef idx="none"/>
+        </p:style>
+        <p:txBody>
+          <a:bodyPr rot="0" spcFirstLastPara="1" vertOverflow="overflow" horzOverflow="overflow" vert="horz" wrap="none" lIns="45719" tIns="45719" rIns="45719" bIns="45719" numCol="1" spcCol="38100" rtlCol="0" anchor="t">
+            <a:spAutoFit/>
+          </a:bodyPr>
+          <a:lstStyle/>
+          <a:p>
+            <a:r>
+              <a:rPr lang="en-US" sz="800" dirty="0" smtClean="0"/>
+              <a:t>P.C.: https://www.indiamart.com/d-vois-ssv-broadband/</a:t>
+            </a:r>
+            <a:endParaRPr kumimoji="0" lang="en-US" sz="800" b="0" i="0" u="none" strike="noStrike" cap="none" spc="0" normalizeH="0" baseline="0" dirty="0">
+              <a:ln>
+                <a:noFill/>
+              </a:ln>
+              <a:solidFill>
+                <a:srgbClr val="000000"/>
+              </a:solidFill>
+              <a:effectLst/>
+              <a:uFillTx/>
+              <a:latin typeface="+mn-lt"/>
+              <a:ea typeface="+mn-ea"/>
+              <a:cs typeface="+mn-cs"/>
+              <a:sym typeface="Arial"/>
+            </a:endParaRPr>
           </a:p>
         </p:txBody>
       </p:sp>
@@ -4917,12 +5401,19 @@
   <p:clrMapOvr>
     <a:masterClrMapping/>
   </p:clrMapOvr>
-  <p:transition xmlns:p14="http://schemas.microsoft.com/office/powerpoint/2010/main" spd="med" advClick="1"/>
+  <p:transition spd="med"/>
+  <p:timing>
+    <p:tnLst>
+      <p:par>
+        <p:cTn id="1" dur="indefinite" restart="never" nodeType="tmRoot"/>
+      </p:par>
+    </p:tnLst>
+  </p:timing>
 </p:sld>
 </file>
 
 <file path=ppt/slides/slide7.xml><?xml version="1.0" encoding="utf-8"?>
-<p:sld xmlns:a="http://schemas.openxmlformats.org/drawingml/2006/main" xmlns:r="http://schemas.openxmlformats.org/officeDocument/2006/relationships" xmlns:p="http://schemas.openxmlformats.org/presentationml/2006/main" showMasterSp="1" showMasterPhAnim="1">
+<p:sld xmlns:a="http://schemas.openxmlformats.org/drawingml/2006/main" xmlns:r="http://schemas.openxmlformats.org/officeDocument/2006/relationships" xmlns:p="http://schemas.openxmlformats.org/presentationml/2006/main">
   <p:cSld>
     <p:spTree>
       <p:nvGrpSpPr>
@@ -4945,7 +5436,7 @@
           <p:nvPr/>
         </p:nvSpPr>
         <p:spPr>
-          <a:xfrm flipH="1" rot="10800000">
+          <a:xfrm rot="10800000" flipH="1">
             <a:off x="-1" y="0"/>
             <a:ext cx="9163201" cy="5148001"/>
           </a:xfrm>
@@ -4969,7 +5460,7 @@
             </a:cxnLst>
             <a:rect l="0" t="0" r="r" b="b"/>
             <a:pathLst>
-              <a:path w="21600" h="21600" fill="norm" stroke="1" extrusionOk="0">
+              <a:path w="21600" h="21600" extrusionOk="0">
                 <a:moveTo>
                   <a:pt x="0" y="0"/>
                 </a:moveTo>
@@ -5008,7 +5499,7 @@
           <a:bodyPr lIns="45719" rIns="45719" anchor="ctr"/>
           <a:lstStyle/>
           <a:p>
-            <a:pPr/>
+            <a:endParaRPr/>
           </a:p>
         </p:txBody>
       </p:sp>
@@ -5031,7 +5522,7 @@
           </a:ln>
           <a:extLst>
             <a:ext uri="{C572A759-6A51-4108-AA02-DFA0A04FC94B}">
-              <ma14:wrappingTextBoxFlag xmlns:ma14="http://schemas.microsoft.com/office/mac/drawingml/2011/main" val="1"/>
+              <ma14:wrappingTextBoxFlag xmlns="" xmlns:ma14="http://schemas.microsoft.com/office/mac/drawingml/2011/main" val="1"/>
             </a:ext>
           </a:extLst>
         </p:spPr>
@@ -5053,7 +5544,6 @@
             </a:lvl1pPr>
           </a:lstStyle>
           <a:p>
-            <a:pPr/>
             <a:r>
               <a:t>Appendix</a:t>
             </a:r>
@@ -5082,7 +5572,7 @@
           </a:ln>
           <a:extLst>
             <a:ext uri="{C572A759-6A51-4108-AA02-DFA0A04FC94B}">
-              <ma14:wrappingTextBoxFlag xmlns:ma14="http://schemas.microsoft.com/office/mac/drawingml/2011/main" val="1"/>
+              <ma14:wrappingTextBoxFlag xmlns="" xmlns:ma14="http://schemas.microsoft.com/office/mac/drawingml/2011/main" val="1"/>
             </a:ext>
           </a:extLst>
         </p:spPr>
@@ -5091,7 +5581,7 @@
           <a:lstStyle/>
           <a:p>
             <a:pPr defTabSz="457200">
-              <a:defRPr b="1" sz="500">
+              <a:defRPr sz="500" b="1">
                 <a:latin typeface="Calibri"/>
                 <a:ea typeface="Calibri"/>
                 <a:cs typeface="Calibri"/>
@@ -5113,12 +5603,19 @@
   <p:clrMapOvr>
     <a:masterClrMapping/>
   </p:clrMapOvr>
-  <p:transition xmlns:p14="http://schemas.microsoft.com/office/powerpoint/2010/main" spd="med" advClick="1"/>
+  <p:transition spd="med"/>
+  <p:timing>
+    <p:tnLst>
+      <p:par>
+        <p:cTn id="1" dur="indefinite" restart="never" nodeType="tmRoot"/>
+      </p:par>
+    </p:tnLst>
+  </p:timing>
 </p:sld>
 </file>
 
 <file path=ppt/slides/slide8.xml><?xml version="1.0" encoding="utf-8"?>
-<p:sld xmlns:a="http://schemas.openxmlformats.org/drawingml/2006/main" xmlns:r="http://schemas.openxmlformats.org/officeDocument/2006/relationships" xmlns:p="http://schemas.openxmlformats.org/presentationml/2006/main" showMasterSp="1" showMasterPhAnim="1">
+<p:sld xmlns:a="http://schemas.openxmlformats.org/drawingml/2006/main" xmlns:r="http://schemas.openxmlformats.org/officeDocument/2006/relationships" xmlns:p="http://schemas.openxmlformats.org/presentationml/2006/main">
   <p:cSld>
     <p:spTree>
       <p:nvGrpSpPr>
@@ -5167,7 +5664,7 @@
           <a:bodyPr lIns="45719" rIns="45719" anchor="ctr"/>
           <a:lstStyle/>
           <a:p>
-            <a:pPr/>
+            <a:endParaRPr/>
           </a:p>
         </p:txBody>
       </p:sp>
@@ -5190,7 +5687,7 @@
           </a:ln>
           <a:extLst>
             <a:ext uri="{C572A759-6A51-4108-AA02-DFA0A04FC94B}">
-              <ma14:wrappingTextBoxFlag xmlns:ma14="http://schemas.microsoft.com/office/mac/drawingml/2011/main" val="1"/>
+              <ma14:wrappingTextBoxFlag xmlns="" xmlns:ma14="http://schemas.microsoft.com/office/mac/drawingml/2011/main" val="1"/>
             </a:ext>
           </a:extLst>
         </p:spPr>
@@ -5200,7 +5697,7 @@
           </a:bodyPr>
           <a:lstStyle>
             <a:lvl1pPr>
-              <a:defRPr b="1" sz="2000">
+              <a:defRPr sz="2000" b="1">
                 <a:solidFill>
                   <a:srgbClr val="FFFFFF"/>
                 </a:solidFill>
@@ -5208,7 +5705,6 @@
             </a:lvl1pPr>
           </a:lstStyle>
           <a:p>
-            <a:pPr/>
             <a:r>
               <a:t>Appendix</a:t>
             </a:r>
@@ -5224,7 +5720,7 @@
         <p:spPr>
           <a:xfrm>
             <a:off x="205025" y="1083299"/>
-            <a:ext cx="8565600" cy="920086"/>
+            <a:ext cx="8565600" cy="892520"/>
           </a:xfrm>
           <a:prstGeom prst="rect">
             <a:avLst/>
@@ -5234,7 +5730,7 @@
           </a:ln>
           <a:extLst>
             <a:ext uri="{C572A759-6A51-4108-AA02-DFA0A04FC94B}">
-              <ma14:wrappingTextBoxFlag xmlns:ma14="http://schemas.microsoft.com/office/mac/drawingml/2011/main" val="1"/>
+              <ma14:wrappingTextBoxFlag xmlns="" xmlns:ma14="http://schemas.microsoft.com/office/mac/drawingml/2011/main" val="1"/>
             </a:ext>
           </a:extLst>
         </p:spPr>
@@ -5247,7 +5743,7 @@
               <a:lnSpc>
                 <a:spcPct val="115000"/>
               </a:lnSpc>
-              <a:defRPr b="1" sz="2000">
+              <a:defRPr sz="2000" b="1">
                 <a:latin typeface="Open Sans"/>
                 <a:ea typeface="Open Sans"/>
                 <a:cs typeface="Open Sans"/>
@@ -5256,10 +5752,11 @@
             </a:lvl1pPr>
           </a:lstStyle>
           <a:p>
-            <a:pPr/>
-            <a:r>
-              <a:t>This is an optional slide where you may place any supporting items.</a:t>
-            </a:r>
+            <a:r>
+              <a:rPr lang="en-US" dirty="0" smtClean="0"/>
+              <a:t>We may also need additional information in order to gain more insights</a:t>
+            </a:r>
+            <a:endParaRPr/>
           </a:p>
         </p:txBody>
       </p:sp>
@@ -5285,7 +5782,7 @@
           </a:ln>
           <a:extLst>
             <a:ext uri="{C572A759-6A51-4108-AA02-DFA0A04FC94B}">
-              <ma14:wrappingTextBoxFlag xmlns:ma14="http://schemas.microsoft.com/office/mac/drawingml/2011/main" val="1"/>
+              <ma14:wrappingTextBoxFlag xmlns="" xmlns:ma14="http://schemas.microsoft.com/office/mac/drawingml/2011/main" val="1"/>
             </a:ext>
           </a:extLst>
         </p:spPr>
@@ -5294,7 +5791,7 @@
           <a:lstStyle/>
           <a:p>
             <a:pPr defTabSz="457200">
-              <a:defRPr b="1" sz="500">
+              <a:defRPr sz="500" b="1">
                 <a:latin typeface="Calibri"/>
                 <a:ea typeface="Calibri"/>
                 <a:cs typeface="Calibri"/>
@@ -5308,6 +5805,151 @@
               <a:rPr b="0"/>
               <a:t>The data and information in this document is reflective of a hypothetical situation and client. This document is to be used for KPMG Virtual Internship purposes only. </a:t>
             </a:r>
+          </a:p>
+        </p:txBody>
+      </p:sp>
+      <p:sp>
+        <p:nvSpPr>
+          <p:cNvPr id="6" name="TextBox 5"/>
+          <p:cNvSpPr txBox="1"/>
+          <p:nvPr/>
+        </p:nvSpPr>
+        <p:spPr>
+          <a:xfrm>
+            <a:off x="304800" y="2190750"/>
+            <a:ext cx="8617101" cy="738662"/>
+          </a:xfrm>
+          <a:prstGeom prst="rect">
+            <a:avLst/>
+          </a:prstGeom>
+          <a:noFill/>
+          <a:ln w="12700" cap="flat">
+            <a:noFill/>
+            <a:miter lim="400000"/>
+          </a:ln>
+          <a:effectLst/>
+          <a:sp3d/>
+        </p:spPr>
+        <p:style>
+          <a:lnRef idx="0">
+            <a:scrgbClr r="0" g="0" b="0"/>
+          </a:lnRef>
+          <a:fillRef idx="0">
+            <a:scrgbClr r="0" g="0" b="0"/>
+          </a:fillRef>
+          <a:effectRef idx="0">
+            <a:scrgbClr r="0" g="0" b="0"/>
+          </a:effectRef>
+          <a:fontRef idx="none"/>
+        </p:style>
+        <p:txBody>
+          <a:bodyPr rot="0" spcFirstLastPara="1" vertOverflow="overflow" horzOverflow="overflow" vert="horz" wrap="none" lIns="45719" tIns="45719" rIns="45719" bIns="45719" numCol="1" spcCol="38100" rtlCol="0" anchor="t">
+            <a:spAutoFit/>
+          </a:bodyPr>
+          <a:lstStyle/>
+          <a:p>
+            <a:r>
+              <a:rPr kumimoji="0" lang="en-US" sz="1400" b="0" i="0" u="none" strike="noStrike" cap="none" spc="0" normalizeH="0" baseline="0" dirty="0" smtClean="0">
+                <a:ln>
+                  <a:noFill/>
+                </a:ln>
+                <a:solidFill>
+                  <a:srgbClr val="000000"/>
+                </a:solidFill>
+                <a:effectLst/>
+                <a:uFillTx/>
+                <a:latin typeface="+mn-lt"/>
+                <a:ea typeface="+mn-ea"/>
+                <a:cs typeface="+mn-cs"/>
+                <a:sym typeface="Arial"/>
+              </a:rPr>
+              <a:t>We’re going to refer</a:t>
+            </a:r>
+            <a:r>
+              <a:rPr lang="en-US" dirty="0" smtClean="0"/>
+              <a:t> ABS (https://www.abs.gov.au/statistics) </a:t>
+            </a:r>
+            <a:r>
+              <a:rPr kumimoji="0" lang="en-US" sz="1400" b="0" i="0" u="none" strike="noStrike" cap="none" spc="0" normalizeH="0" dirty="0" smtClean="0">
+                <a:ln>
+                  <a:noFill/>
+                </a:ln>
+                <a:solidFill>
+                  <a:srgbClr val="000000"/>
+                </a:solidFill>
+                <a:effectLst/>
+                <a:uFillTx/>
+                <a:latin typeface="+mn-lt"/>
+                <a:ea typeface="+mn-ea"/>
+                <a:cs typeface="+mn-cs"/>
+                <a:sym typeface="Arial"/>
+              </a:rPr>
+              <a:t>if needed to create more relevant features </a:t>
+            </a:r>
+          </a:p>
+          <a:p>
+            <a:r>
+              <a:rPr kumimoji="0" lang="en-US" sz="1400" b="0" i="0" u="none" strike="noStrike" cap="none" spc="0" normalizeH="0" dirty="0" smtClean="0">
+                <a:ln>
+                  <a:noFill/>
+                </a:ln>
+                <a:solidFill>
+                  <a:srgbClr val="000000"/>
+                </a:solidFill>
+                <a:effectLst/>
+                <a:uFillTx/>
+                <a:latin typeface="+mn-lt"/>
+                <a:ea typeface="+mn-ea"/>
+                <a:cs typeface="+mn-cs"/>
+                <a:sym typeface="Arial"/>
+              </a:rPr>
+              <a:t>such as finding out the distances of individual’s home to office, as the distance might be an important factor </a:t>
+            </a:r>
+          </a:p>
+          <a:p>
+            <a:r>
+              <a:rPr lang="en-US" dirty="0" smtClean="0"/>
+              <a:t>b</a:t>
+            </a:r>
+            <a:r>
+              <a:rPr kumimoji="0" lang="en-US" sz="1400" b="0" i="0" u="none" strike="noStrike" cap="none" spc="0" normalizeH="0" dirty="0" smtClean="0">
+                <a:ln>
+                  <a:noFill/>
+                </a:ln>
+                <a:solidFill>
+                  <a:srgbClr val="000000"/>
+                </a:solidFill>
+                <a:effectLst/>
+                <a:uFillTx/>
+                <a:latin typeface="+mn-lt"/>
+                <a:ea typeface="+mn-ea"/>
+                <a:cs typeface="+mn-cs"/>
+                <a:sym typeface="Arial"/>
+              </a:rPr>
+              <a:t>ehind</a:t>
+            </a:r>
+            <a:r>
+              <a:rPr lang="en-US" dirty="0" smtClean="0"/>
+              <a:t> </a:t>
+            </a:r>
+            <a:r>
+              <a:rPr lang="en-US" baseline="0" dirty="0" smtClean="0"/>
+              <a:t>Buying bikes</a:t>
+            </a:r>
+            <a:endParaRPr kumimoji="0" lang="en-US" sz="1400" b="0" i="0" u="none" strike="noStrike" cap="none" spc="0" normalizeH="0" baseline="0" dirty="0">
+              <a:ln>
+                <a:noFill/>
+              </a:ln>
+              <a:solidFill>
+                <a:srgbClr val="000000"/>
+              </a:solidFill>
+              <a:effectLst/>
+              <a:uFillTx/>
+              <a:latin typeface="+mn-lt"/>
+              <a:ea typeface="+mn-ea"/>
+              <a:cs typeface="+mn-cs"/>
+              <a:sym typeface="Arial"/>
+            </a:endParaRPr>
           </a:p>
         </p:txBody>
       </p:sp>
@@ -5316,12 +5958,19 @@
   <p:clrMapOvr>
     <a:masterClrMapping/>
   </p:clrMapOvr>
-  <p:transition xmlns:p14="http://schemas.microsoft.com/office/powerpoint/2010/main" spd="med" advClick="1"/>
+  <p:transition spd="med"/>
+  <p:timing>
+    <p:tnLst>
+      <p:par>
+        <p:cTn id="1" dur="indefinite" restart="never" nodeType="tmRoot"/>
+      </p:par>
+    </p:tnLst>
+  </p:timing>
 </p:sld>
 </file>
 
 <file path=ppt/theme/theme1.xml><?xml version="1.0" encoding="utf-8"?>
-<a:theme xmlns:a="http://schemas.openxmlformats.org/drawingml/2006/main" xmlns:r="http://schemas.openxmlformats.org/officeDocument/2006/relationships" name="Simple Light">
+<a:theme xmlns:a="http://schemas.openxmlformats.org/drawingml/2006/main" name="Simple Light">
   <a:themeElements>
     <a:clrScheme name="Simple Light">
       <a:dk1>
@@ -5447,7 +6096,7 @@
       <a:effectStyleLst>
         <a:effectStyle>
           <a:effectLst>
-            <a:outerShdw sx="100000" sy="100000" kx="0" ky="0" algn="b" rotWithShape="0" blurRad="38100" dist="23000" dir="5400000">
+            <a:outerShdw blurRad="38100" dist="23000" dir="5400000" rotWithShape="0">
               <a:srgbClr val="000000">
                 <a:alpha val="35000"/>
               </a:srgbClr>
@@ -5456,7 +6105,7 @@
         </a:effectStyle>
         <a:effectStyle>
           <a:effectLst>
-            <a:outerShdw sx="100000" sy="100000" kx="0" ky="0" algn="b" rotWithShape="0" blurRad="38100" dist="23000" dir="5400000">
+            <a:outerShdw blurRad="38100" dist="23000" dir="5400000" rotWithShape="0">
               <a:srgbClr val="000000">
                 <a:alpha val="35000"/>
               </a:srgbClr>
@@ -5465,7 +6114,7 @@
         </a:effectStyle>
         <a:effectStyle>
           <a:effectLst>
-            <a:outerShdw sx="100000" sy="100000" kx="0" ky="0" algn="b" rotWithShape="0" blurRad="38100" dist="20000" dir="5400000">
+            <a:outerShdw blurRad="38100" dist="20000" dir="5400000" rotWithShape="0">
               <a:srgbClr val="000000">
                 <a:alpha val="38000"/>
               </a:srgbClr>
@@ -5539,7 +6188,7 @@
           <a:round/>
         </a:ln>
         <a:effectLst>
-          <a:outerShdw sx="100000" sy="100000" kx="0" ky="0" algn="b" rotWithShape="0" blurRad="38100" dist="23000" dir="5400000">
+          <a:outerShdw blurRad="38100" dist="23000" dir="5400000" rotWithShape="0">
             <a:srgbClr val="000000">
               <a:alpha val="35000"/>
             </a:srgbClr>
@@ -5547,7 +6196,7 @@
         </a:effectLst>
         <a:sp3d/>
       </a:spPr>
-      <a:bodyPr rot="0" spcFirstLastPara="1" vertOverflow="overflow" horzOverflow="overflow" vert="horz" wrap="square" lIns="45719" tIns="45719" rIns="45719" bIns="45719" numCol="1" spcCol="38100" rtlCol="0" anchor="ctr" upright="0">
+      <a:bodyPr rot="0" spcFirstLastPara="1" vertOverflow="overflow" horzOverflow="overflow" vert="horz" wrap="square" lIns="45719" tIns="45719" rIns="45719" bIns="45719" numCol="1" spcCol="38100" rtlCol="0" anchor="ctr">
         <a:spAutoFit/>
       </a:bodyPr>
       <a:lstStyle>
@@ -5566,7 +6215,7 @@
           <a:buFontTx/>
           <a:buNone/>
           <a:tabLst/>
-          <a:defRPr b="0" baseline="0" cap="none" i="0" spc="0" strike="noStrike" sz="1400" u="none" kumimoji="0" normalizeH="0">
+          <a:defRPr kumimoji="0" sz="1400" b="0" i="0" u="none" strike="noStrike" cap="none" spc="0" normalizeH="0" baseline="0">
             <a:ln>
               <a:noFill/>
             </a:ln>
@@ -5596,7 +6245,7 @@
           <a:buFontTx/>
           <a:buNone/>
           <a:tabLst/>
-          <a:defRPr b="0" baseline="0" cap="none" i="0" spc="0" strike="noStrike" sz="1800" u="none" kumimoji="0" normalizeH="0">
+          <a:defRPr kumimoji="0" sz="1800" b="0" i="0" u="none" strike="noStrike" cap="none" spc="0" normalizeH="0" baseline="0">
             <a:ln>
               <a:noFill/>
             </a:ln>
@@ -5622,7 +6271,7 @@
           <a:buFontTx/>
           <a:buNone/>
           <a:tabLst/>
-          <a:defRPr b="0" baseline="0" cap="none" i="0" spc="0" strike="noStrike" sz="1800" u="none" kumimoji="0" normalizeH="0">
+          <a:defRPr kumimoji="0" sz="1800" b="0" i="0" u="none" strike="noStrike" cap="none" spc="0" normalizeH="0" baseline="0">
             <a:ln>
               <a:noFill/>
             </a:ln>
@@ -5648,7 +6297,7 @@
           <a:buFontTx/>
           <a:buNone/>
           <a:tabLst/>
-          <a:defRPr b="0" baseline="0" cap="none" i="0" spc="0" strike="noStrike" sz="1800" u="none" kumimoji="0" normalizeH="0">
+          <a:defRPr kumimoji="0" sz="1800" b="0" i="0" u="none" strike="noStrike" cap="none" spc="0" normalizeH="0" baseline="0">
             <a:ln>
               <a:noFill/>
             </a:ln>
@@ -5674,7 +6323,7 @@
           <a:buFontTx/>
           <a:buNone/>
           <a:tabLst/>
-          <a:defRPr b="0" baseline="0" cap="none" i="0" spc="0" strike="noStrike" sz="1800" u="none" kumimoji="0" normalizeH="0">
+          <a:defRPr kumimoji="0" sz="1800" b="0" i="0" u="none" strike="noStrike" cap="none" spc="0" normalizeH="0" baseline="0">
             <a:ln>
               <a:noFill/>
             </a:ln>
@@ -5700,7 +6349,7 @@
           <a:buFontTx/>
           <a:buNone/>
           <a:tabLst/>
-          <a:defRPr b="0" baseline="0" cap="none" i="0" spc="0" strike="noStrike" sz="1800" u="none" kumimoji="0" normalizeH="0">
+          <a:defRPr kumimoji="0" sz="1800" b="0" i="0" u="none" strike="noStrike" cap="none" spc="0" normalizeH="0" baseline="0">
             <a:ln>
               <a:noFill/>
             </a:ln>
@@ -5726,7 +6375,7 @@
           <a:buFontTx/>
           <a:buNone/>
           <a:tabLst/>
-          <a:defRPr b="0" baseline="0" cap="none" i="0" spc="0" strike="noStrike" sz="1800" u="none" kumimoji="0" normalizeH="0">
+          <a:defRPr kumimoji="0" sz="1800" b="0" i="0" u="none" strike="noStrike" cap="none" spc="0" normalizeH="0" baseline="0">
             <a:ln>
               <a:noFill/>
             </a:ln>
@@ -5752,7 +6401,7 @@
           <a:buFontTx/>
           <a:buNone/>
           <a:tabLst/>
-          <a:defRPr b="0" baseline="0" cap="none" i="0" spc="0" strike="noStrike" sz="1800" u="none" kumimoji="0" normalizeH="0">
+          <a:defRPr kumimoji="0" sz="1800" b="0" i="0" u="none" strike="noStrike" cap="none" spc="0" normalizeH="0" baseline="0">
             <a:ln>
               <a:noFill/>
             </a:ln>
@@ -5778,7 +6427,7 @@
           <a:buFontTx/>
           <a:buNone/>
           <a:tabLst/>
-          <a:defRPr b="0" baseline="0" cap="none" i="0" spc="0" strike="noStrike" sz="1800" u="none" kumimoji="0" normalizeH="0">
+          <a:defRPr kumimoji="0" sz="1800" b="0" i="0" u="none" strike="noStrike" cap="none" spc="0" normalizeH="0" baseline="0">
             <a:ln>
               <a:noFill/>
             </a:ln>
@@ -5804,7 +6453,7 @@
           <a:buFontTx/>
           <a:buNone/>
           <a:tabLst/>
-          <a:defRPr b="0" baseline="0" cap="none" i="0" spc="0" strike="noStrike" sz="1800" u="none" kumimoji="0" normalizeH="0">
+          <a:defRPr kumimoji="0" sz="1800" b="0" i="0" u="none" strike="noStrike" cap="none" spc="0" normalizeH="0" baseline="0">
             <a:ln>
               <a:noFill/>
             </a:ln>
@@ -5817,9 +6466,15 @@
         </a:lvl9pPr>
       </a:lstStyle>
       <a:style>
-        <a:lnRef idx="0"/>
-        <a:fillRef idx="0"/>
-        <a:effectRef idx="0"/>
+        <a:lnRef idx="0">
+          <a:scrgbClr r="0" g="0" b="0"/>
+        </a:lnRef>
+        <a:fillRef idx="0">
+          <a:scrgbClr r="0" g="0" b="0"/>
+        </a:fillRef>
+        <a:effectRef idx="0">
+          <a:scrgbClr r="0" g="0" b="0"/>
+        </a:effectRef>
         <a:fontRef idx="none"/>
       </a:style>
     </a:spDef>
@@ -5834,7 +6489,7 @@
           <a:round/>
         </a:ln>
         <a:effectLst>
-          <a:outerShdw sx="100000" sy="100000" kx="0" ky="0" algn="b" rotWithShape="0" blurRad="38100" dist="20000" dir="5400000">
+          <a:outerShdw blurRad="38100" dist="20000" dir="5400000" rotWithShape="0">
             <a:srgbClr val="000000">
               <a:alpha val="38000"/>
             </a:srgbClr>
@@ -5842,7 +6497,7 @@
         </a:effectLst>
         <a:sp3d/>
       </a:spPr>
-      <a:bodyPr rot="0" spcFirstLastPara="1" vertOverflow="overflow" horzOverflow="overflow" vert="horz" wrap="square" lIns="91439" tIns="45719" rIns="91439" bIns="45719" numCol="1" spcCol="38100" rtlCol="0" anchor="t" upright="0">
+      <a:bodyPr rot="0" spcFirstLastPara="1" vertOverflow="overflow" horzOverflow="overflow" vert="horz" wrap="square" lIns="91439" tIns="45719" rIns="91439" bIns="45719" numCol="1" spcCol="38100" rtlCol="0" anchor="t">
         <a:noAutofit/>
       </a:bodyPr>
       <a:lstStyle>
@@ -5861,7 +6516,7 @@
           <a:buFontTx/>
           <a:buNone/>
           <a:tabLst/>
-          <a:defRPr b="0" baseline="0" cap="none" i="0" spc="0" strike="noStrike" sz="1800" u="none" kumimoji="0" normalizeH="0">
+          <a:defRPr kumimoji="0" sz="1800" b="0" i="0" u="none" strike="noStrike" cap="none" spc="0" normalizeH="0" baseline="0">
             <a:ln>
               <a:noFill/>
             </a:ln>
@@ -5887,7 +6542,7 @@
           <a:buFontTx/>
           <a:buNone/>
           <a:tabLst/>
-          <a:defRPr b="0" baseline="0" cap="none" i="0" spc="0" strike="noStrike" sz="1800" u="none" kumimoji="0" normalizeH="0">
+          <a:defRPr kumimoji="0" sz="1800" b="0" i="0" u="none" strike="noStrike" cap="none" spc="0" normalizeH="0" baseline="0">
             <a:ln>
               <a:noFill/>
             </a:ln>
@@ -5913,7 +6568,7 @@
           <a:buFontTx/>
           <a:buNone/>
           <a:tabLst/>
-          <a:defRPr b="0" baseline="0" cap="none" i="0" spc="0" strike="noStrike" sz="1800" u="none" kumimoji="0" normalizeH="0">
+          <a:defRPr kumimoji="0" sz="1800" b="0" i="0" u="none" strike="noStrike" cap="none" spc="0" normalizeH="0" baseline="0">
             <a:ln>
               <a:noFill/>
             </a:ln>
@@ -5939,7 +6594,7 @@
           <a:buFontTx/>
           <a:buNone/>
           <a:tabLst/>
-          <a:defRPr b="0" baseline="0" cap="none" i="0" spc="0" strike="noStrike" sz="1800" u="none" kumimoji="0" normalizeH="0">
+          <a:defRPr kumimoji="0" sz="1800" b="0" i="0" u="none" strike="noStrike" cap="none" spc="0" normalizeH="0" baseline="0">
             <a:ln>
               <a:noFill/>
             </a:ln>
@@ -5965,7 +6620,7 @@
           <a:buFontTx/>
           <a:buNone/>
           <a:tabLst/>
-          <a:defRPr b="0" baseline="0" cap="none" i="0" spc="0" strike="noStrike" sz="1800" u="none" kumimoji="0" normalizeH="0">
+          <a:defRPr kumimoji="0" sz="1800" b="0" i="0" u="none" strike="noStrike" cap="none" spc="0" normalizeH="0" baseline="0">
             <a:ln>
               <a:noFill/>
             </a:ln>
@@ -5991,7 +6646,7 @@
           <a:buFontTx/>
           <a:buNone/>
           <a:tabLst/>
-          <a:defRPr b="0" baseline="0" cap="none" i="0" spc="0" strike="noStrike" sz="1800" u="none" kumimoji="0" normalizeH="0">
+          <a:defRPr kumimoji="0" sz="1800" b="0" i="0" u="none" strike="noStrike" cap="none" spc="0" normalizeH="0" baseline="0">
             <a:ln>
               <a:noFill/>
             </a:ln>
@@ -6017,7 +6672,7 @@
           <a:buFontTx/>
           <a:buNone/>
           <a:tabLst/>
-          <a:defRPr b="0" baseline="0" cap="none" i="0" spc="0" strike="noStrike" sz="1800" u="none" kumimoji="0" normalizeH="0">
+          <a:defRPr kumimoji="0" sz="1800" b="0" i="0" u="none" strike="noStrike" cap="none" spc="0" normalizeH="0" baseline="0">
             <a:ln>
               <a:noFill/>
             </a:ln>
@@ -6043,7 +6698,7 @@
           <a:buFontTx/>
           <a:buNone/>
           <a:tabLst/>
-          <a:defRPr b="0" baseline="0" cap="none" i="0" spc="0" strike="noStrike" sz="1800" u="none" kumimoji="0" normalizeH="0">
+          <a:defRPr kumimoji="0" sz="1800" b="0" i="0" u="none" strike="noStrike" cap="none" spc="0" normalizeH="0" baseline="0">
             <a:ln>
               <a:noFill/>
             </a:ln>
@@ -6069,7 +6724,7 @@
           <a:buFontTx/>
           <a:buNone/>
           <a:tabLst/>
-          <a:defRPr b="0" baseline="0" cap="none" i="0" spc="0" strike="noStrike" sz="1800" u="none" kumimoji="0" normalizeH="0">
+          <a:defRPr kumimoji="0" sz="1800" b="0" i="0" u="none" strike="noStrike" cap="none" spc="0" normalizeH="0" baseline="0">
             <a:ln>
               <a:noFill/>
             </a:ln>
@@ -6095,7 +6750,7 @@
           <a:buFontTx/>
           <a:buNone/>
           <a:tabLst/>
-          <a:defRPr b="0" baseline="0" cap="none" i="0" spc="0" strike="noStrike" sz="1800" u="none" kumimoji="0" normalizeH="0">
+          <a:defRPr kumimoji="0" sz="1800" b="0" i="0" u="none" strike="noStrike" cap="none" spc="0" normalizeH="0" baseline="0">
             <a:ln>
               <a:noFill/>
             </a:ln>
@@ -6108,9 +6763,15 @@
         </a:lvl9pPr>
       </a:lstStyle>
       <a:style>
-        <a:lnRef idx="0"/>
-        <a:fillRef idx="0"/>
-        <a:effectRef idx="0"/>
+        <a:lnRef idx="0">
+          <a:scrgbClr r="0" g="0" b="0"/>
+        </a:lnRef>
+        <a:fillRef idx="0">
+          <a:scrgbClr r="0" g="0" b="0"/>
+        </a:fillRef>
+        <a:effectRef idx="0">
+          <a:scrgbClr r="0" g="0" b="0"/>
+        </a:effectRef>
         <a:fontRef idx="none"/>
       </a:style>
     </a:lnDef>
@@ -6124,7 +6785,7 @@
         <a:effectLst/>
         <a:sp3d/>
       </a:spPr>
-      <a:bodyPr rot="0" spcFirstLastPara="1" vertOverflow="overflow" horzOverflow="overflow" vert="horz" wrap="square" lIns="45719" tIns="45719" rIns="45719" bIns="45719" numCol="1" spcCol="38100" rtlCol="0" anchor="t" upright="0">
+      <a:bodyPr rot="0" spcFirstLastPara="1" vertOverflow="overflow" horzOverflow="overflow" vert="horz" wrap="square" lIns="45719" tIns="45719" rIns="45719" bIns="45719" numCol="1" spcCol="38100" rtlCol="0" anchor="t">
         <a:spAutoFit/>
       </a:bodyPr>
       <a:lstStyle>
@@ -6143,7 +6804,7 @@
           <a:buFontTx/>
           <a:buNone/>
           <a:tabLst/>
-          <a:defRPr b="0" baseline="0" cap="none" i="0" spc="0" strike="noStrike" sz="1400" u="none" kumimoji="0" normalizeH="0">
+          <a:defRPr kumimoji="0" sz="1400" b="0" i="0" u="none" strike="noStrike" cap="none" spc="0" normalizeH="0" baseline="0">
             <a:ln>
               <a:noFill/>
             </a:ln>
@@ -6173,7 +6834,7 @@
           <a:buFontTx/>
           <a:buNone/>
           <a:tabLst/>
-          <a:defRPr b="0" baseline="0" cap="none" i="0" spc="0" strike="noStrike" sz="1800" u="none" kumimoji="0" normalizeH="0">
+          <a:defRPr kumimoji="0" sz="1800" b="0" i="0" u="none" strike="noStrike" cap="none" spc="0" normalizeH="0" baseline="0">
             <a:ln>
               <a:noFill/>
             </a:ln>
@@ -6199,7 +6860,7 @@
           <a:buFontTx/>
           <a:buNone/>
           <a:tabLst/>
-          <a:defRPr b="0" baseline="0" cap="none" i="0" spc="0" strike="noStrike" sz="1800" u="none" kumimoji="0" normalizeH="0">
+          <a:defRPr kumimoji="0" sz="1800" b="0" i="0" u="none" strike="noStrike" cap="none" spc="0" normalizeH="0" baseline="0">
             <a:ln>
               <a:noFill/>
             </a:ln>
@@ -6225,7 +6886,7 @@
           <a:buFontTx/>
           <a:buNone/>
           <a:tabLst/>
-          <a:defRPr b="0" baseline="0" cap="none" i="0" spc="0" strike="noStrike" sz="1800" u="none" kumimoji="0" normalizeH="0">
+          <a:defRPr kumimoji="0" sz="1800" b="0" i="0" u="none" strike="noStrike" cap="none" spc="0" normalizeH="0" baseline="0">
             <a:ln>
               <a:noFill/>
             </a:ln>
@@ -6251,7 +6912,7 @@
           <a:buFontTx/>
           <a:buNone/>
           <a:tabLst/>
-          <a:defRPr b="0" baseline="0" cap="none" i="0" spc="0" strike="noStrike" sz="1800" u="none" kumimoji="0" normalizeH="0">
+          <a:defRPr kumimoji="0" sz="1800" b="0" i="0" u="none" strike="noStrike" cap="none" spc="0" normalizeH="0" baseline="0">
             <a:ln>
               <a:noFill/>
             </a:ln>
@@ -6277,7 +6938,7 @@
           <a:buFontTx/>
           <a:buNone/>
           <a:tabLst/>
-          <a:defRPr b="0" baseline="0" cap="none" i="0" spc="0" strike="noStrike" sz="1800" u="none" kumimoji="0" normalizeH="0">
+          <a:defRPr kumimoji="0" sz="1800" b="0" i="0" u="none" strike="noStrike" cap="none" spc="0" normalizeH="0" baseline="0">
             <a:ln>
               <a:noFill/>
             </a:ln>
@@ -6303,7 +6964,7 @@
           <a:buFontTx/>
           <a:buNone/>
           <a:tabLst/>
-          <a:defRPr b="0" baseline="0" cap="none" i="0" spc="0" strike="noStrike" sz="1800" u="none" kumimoji="0" normalizeH="0">
+          <a:defRPr kumimoji="0" sz="1800" b="0" i="0" u="none" strike="noStrike" cap="none" spc="0" normalizeH="0" baseline="0">
             <a:ln>
               <a:noFill/>
             </a:ln>
@@ -6329,7 +6990,7 @@
           <a:buFontTx/>
           <a:buNone/>
           <a:tabLst/>
-          <a:defRPr b="0" baseline="0" cap="none" i="0" spc="0" strike="noStrike" sz="1800" u="none" kumimoji="0" normalizeH="0">
+          <a:defRPr kumimoji="0" sz="1800" b="0" i="0" u="none" strike="noStrike" cap="none" spc="0" normalizeH="0" baseline="0">
             <a:ln>
               <a:noFill/>
             </a:ln>
@@ -6355,7 +7016,7 @@
           <a:buFontTx/>
           <a:buNone/>
           <a:tabLst/>
-          <a:defRPr b="0" baseline="0" cap="none" i="0" spc="0" strike="noStrike" sz="1800" u="none" kumimoji="0" normalizeH="0">
+          <a:defRPr kumimoji="0" sz="1800" b="0" i="0" u="none" strike="noStrike" cap="none" spc="0" normalizeH="0" baseline="0">
             <a:ln>
               <a:noFill/>
             </a:ln>
@@ -6381,7 +7042,7 @@
           <a:buFontTx/>
           <a:buNone/>
           <a:tabLst/>
-          <a:defRPr b="0" baseline="0" cap="none" i="0" spc="0" strike="noStrike" sz="1800" u="none" kumimoji="0" normalizeH="0">
+          <a:defRPr kumimoji="0" sz="1800" b="0" i="0" u="none" strike="noStrike" cap="none" spc="0" normalizeH="0" baseline="0">
             <a:ln>
               <a:noFill/>
             </a:ln>
@@ -6394,18 +7055,25 @@
         </a:lvl9pPr>
       </a:lstStyle>
       <a:style>
-        <a:lnRef idx="0"/>
-        <a:fillRef idx="0"/>
-        <a:effectRef idx="0"/>
+        <a:lnRef idx="0">
+          <a:scrgbClr r="0" g="0" b="0"/>
+        </a:lnRef>
+        <a:fillRef idx="0">
+          <a:scrgbClr r="0" g="0" b="0"/>
+        </a:fillRef>
+        <a:effectRef idx="0">
+          <a:scrgbClr r="0" g="0" b="0"/>
+        </a:effectRef>
         <a:fontRef idx="none"/>
       </a:style>
     </a:txDef>
   </a:objectDefaults>
+  <a:extraClrSchemeLst/>
 </a:theme>
 </file>
 
 <file path=ppt/theme/theme2.xml><?xml version="1.0" encoding="utf-8"?>
-<a:theme xmlns:a="http://schemas.openxmlformats.org/drawingml/2006/main" xmlns:r="http://schemas.openxmlformats.org/officeDocument/2006/relationships" name="Simple Light">
+<a:theme xmlns:a="http://schemas.openxmlformats.org/drawingml/2006/main" name="Simple Light">
   <a:themeElements>
     <a:clrScheme name="Simple Light">
       <a:dk1>
@@ -6531,7 +7199,7 @@
       <a:effectStyleLst>
         <a:effectStyle>
           <a:effectLst>
-            <a:outerShdw sx="100000" sy="100000" kx="0" ky="0" algn="b" rotWithShape="0" blurRad="38100" dist="23000" dir="5400000">
+            <a:outerShdw blurRad="38100" dist="23000" dir="5400000" rotWithShape="0">
               <a:srgbClr val="000000">
                 <a:alpha val="35000"/>
               </a:srgbClr>
@@ -6540,7 +7208,7 @@
         </a:effectStyle>
         <a:effectStyle>
           <a:effectLst>
-            <a:outerShdw sx="100000" sy="100000" kx="0" ky="0" algn="b" rotWithShape="0" blurRad="38100" dist="23000" dir="5400000">
+            <a:outerShdw blurRad="38100" dist="23000" dir="5400000" rotWithShape="0">
               <a:srgbClr val="000000">
                 <a:alpha val="35000"/>
               </a:srgbClr>
@@ -6549,7 +7217,7 @@
         </a:effectStyle>
         <a:effectStyle>
           <a:effectLst>
-            <a:outerShdw sx="100000" sy="100000" kx="0" ky="0" algn="b" rotWithShape="0" blurRad="38100" dist="20000" dir="5400000">
+            <a:outerShdw blurRad="38100" dist="20000" dir="5400000" rotWithShape="0">
               <a:srgbClr val="000000">
                 <a:alpha val="38000"/>
               </a:srgbClr>
@@ -6623,7 +7291,7 @@
           <a:round/>
         </a:ln>
         <a:effectLst>
-          <a:outerShdw sx="100000" sy="100000" kx="0" ky="0" algn="b" rotWithShape="0" blurRad="38100" dist="23000" dir="5400000">
+          <a:outerShdw blurRad="38100" dist="23000" dir="5400000" rotWithShape="0">
             <a:srgbClr val="000000">
               <a:alpha val="35000"/>
             </a:srgbClr>
@@ -6631,7 +7299,7 @@
         </a:effectLst>
         <a:sp3d/>
       </a:spPr>
-      <a:bodyPr rot="0" spcFirstLastPara="1" vertOverflow="overflow" horzOverflow="overflow" vert="horz" wrap="square" lIns="45719" tIns="45719" rIns="45719" bIns="45719" numCol="1" spcCol="38100" rtlCol="0" anchor="ctr" upright="0">
+      <a:bodyPr rot="0" spcFirstLastPara="1" vertOverflow="overflow" horzOverflow="overflow" vert="horz" wrap="square" lIns="45719" tIns="45719" rIns="45719" bIns="45719" numCol="1" spcCol="38100" rtlCol="0" anchor="ctr">
         <a:spAutoFit/>
       </a:bodyPr>
       <a:lstStyle>
@@ -6650,7 +7318,7 @@
           <a:buFontTx/>
           <a:buNone/>
           <a:tabLst/>
-          <a:defRPr b="0" baseline="0" cap="none" i="0" spc="0" strike="noStrike" sz="1400" u="none" kumimoji="0" normalizeH="0">
+          <a:defRPr kumimoji="0" sz="1400" b="0" i="0" u="none" strike="noStrike" cap="none" spc="0" normalizeH="0" baseline="0">
             <a:ln>
               <a:noFill/>
             </a:ln>
@@ -6680,7 +7348,7 @@
           <a:buFontTx/>
           <a:buNone/>
           <a:tabLst/>
-          <a:defRPr b="0" baseline="0" cap="none" i="0" spc="0" strike="noStrike" sz="1800" u="none" kumimoji="0" normalizeH="0">
+          <a:defRPr kumimoji="0" sz="1800" b="0" i="0" u="none" strike="noStrike" cap="none" spc="0" normalizeH="0" baseline="0">
             <a:ln>
               <a:noFill/>
             </a:ln>
@@ -6706,7 +7374,7 @@
           <a:buFontTx/>
           <a:buNone/>
           <a:tabLst/>
-          <a:defRPr b="0" baseline="0" cap="none" i="0" spc="0" strike="noStrike" sz="1800" u="none" kumimoji="0" normalizeH="0">
+          <a:defRPr kumimoji="0" sz="1800" b="0" i="0" u="none" strike="noStrike" cap="none" spc="0" normalizeH="0" baseline="0">
             <a:ln>
               <a:noFill/>
             </a:ln>
@@ -6732,7 +7400,7 @@
           <a:buFontTx/>
           <a:buNone/>
           <a:tabLst/>
-          <a:defRPr b="0" baseline="0" cap="none" i="0" spc="0" strike="noStrike" sz="1800" u="none" kumimoji="0" normalizeH="0">
+          <a:defRPr kumimoji="0" sz="1800" b="0" i="0" u="none" strike="noStrike" cap="none" spc="0" normalizeH="0" baseline="0">
             <a:ln>
               <a:noFill/>
             </a:ln>
@@ -6758,7 +7426,7 @@
           <a:buFontTx/>
           <a:buNone/>
           <a:tabLst/>
-          <a:defRPr b="0" baseline="0" cap="none" i="0" spc="0" strike="noStrike" sz="1800" u="none" kumimoji="0" normalizeH="0">
+          <a:defRPr kumimoji="0" sz="1800" b="0" i="0" u="none" strike="noStrike" cap="none" spc="0" normalizeH="0" baseline="0">
             <a:ln>
               <a:noFill/>
             </a:ln>
@@ -6784,7 +7452,7 @@
           <a:buFontTx/>
           <a:buNone/>
           <a:tabLst/>
-          <a:defRPr b="0" baseline="0" cap="none" i="0" spc="0" strike="noStrike" sz="1800" u="none" kumimoji="0" normalizeH="0">
+          <a:defRPr kumimoji="0" sz="1800" b="0" i="0" u="none" strike="noStrike" cap="none" spc="0" normalizeH="0" baseline="0">
             <a:ln>
               <a:noFill/>
             </a:ln>
@@ -6810,7 +7478,7 @@
           <a:buFontTx/>
           <a:buNone/>
           <a:tabLst/>
-          <a:defRPr b="0" baseline="0" cap="none" i="0" spc="0" strike="noStrike" sz="1800" u="none" kumimoji="0" normalizeH="0">
+          <a:defRPr kumimoji="0" sz="1800" b="0" i="0" u="none" strike="noStrike" cap="none" spc="0" normalizeH="0" baseline="0">
             <a:ln>
               <a:noFill/>
             </a:ln>
@@ -6836,7 +7504,7 @@
           <a:buFontTx/>
           <a:buNone/>
           <a:tabLst/>
-          <a:defRPr b="0" baseline="0" cap="none" i="0" spc="0" strike="noStrike" sz="1800" u="none" kumimoji="0" normalizeH="0">
+          <a:defRPr kumimoji="0" sz="1800" b="0" i="0" u="none" strike="noStrike" cap="none" spc="0" normalizeH="0" baseline="0">
             <a:ln>
               <a:noFill/>
             </a:ln>
@@ -6862,7 +7530,7 @@
           <a:buFontTx/>
           <a:buNone/>
           <a:tabLst/>
-          <a:defRPr b="0" baseline="0" cap="none" i="0" spc="0" strike="noStrike" sz="1800" u="none" kumimoji="0" normalizeH="0">
+          <a:defRPr kumimoji="0" sz="1800" b="0" i="0" u="none" strike="noStrike" cap="none" spc="0" normalizeH="0" baseline="0">
             <a:ln>
               <a:noFill/>
             </a:ln>
@@ -6888,7 +7556,7 @@
           <a:buFontTx/>
           <a:buNone/>
           <a:tabLst/>
-          <a:defRPr b="0" baseline="0" cap="none" i="0" spc="0" strike="noStrike" sz="1800" u="none" kumimoji="0" normalizeH="0">
+          <a:defRPr kumimoji="0" sz="1800" b="0" i="0" u="none" strike="noStrike" cap="none" spc="0" normalizeH="0" baseline="0">
             <a:ln>
               <a:noFill/>
             </a:ln>
@@ -6901,9 +7569,15 @@
         </a:lvl9pPr>
       </a:lstStyle>
       <a:style>
-        <a:lnRef idx="0"/>
-        <a:fillRef idx="0"/>
-        <a:effectRef idx="0"/>
+        <a:lnRef idx="0">
+          <a:scrgbClr r="0" g="0" b="0"/>
+        </a:lnRef>
+        <a:fillRef idx="0">
+          <a:scrgbClr r="0" g="0" b="0"/>
+        </a:fillRef>
+        <a:effectRef idx="0">
+          <a:scrgbClr r="0" g="0" b="0"/>
+        </a:effectRef>
         <a:fontRef idx="none"/>
       </a:style>
     </a:spDef>
@@ -6918,7 +7592,7 @@
           <a:round/>
         </a:ln>
         <a:effectLst>
-          <a:outerShdw sx="100000" sy="100000" kx="0" ky="0" algn="b" rotWithShape="0" blurRad="38100" dist="20000" dir="5400000">
+          <a:outerShdw blurRad="38100" dist="20000" dir="5400000" rotWithShape="0">
             <a:srgbClr val="000000">
               <a:alpha val="38000"/>
             </a:srgbClr>
@@ -6926,7 +7600,7 @@
         </a:effectLst>
         <a:sp3d/>
       </a:spPr>
-      <a:bodyPr rot="0" spcFirstLastPara="1" vertOverflow="overflow" horzOverflow="overflow" vert="horz" wrap="square" lIns="91439" tIns="45719" rIns="91439" bIns="45719" numCol="1" spcCol="38100" rtlCol="0" anchor="t" upright="0">
+      <a:bodyPr rot="0" spcFirstLastPara="1" vertOverflow="overflow" horzOverflow="overflow" vert="horz" wrap="square" lIns="91439" tIns="45719" rIns="91439" bIns="45719" numCol="1" spcCol="38100" rtlCol="0" anchor="t">
         <a:noAutofit/>
       </a:bodyPr>
       <a:lstStyle>
@@ -6945,7 +7619,7 @@
           <a:buFontTx/>
           <a:buNone/>
           <a:tabLst/>
-          <a:defRPr b="0" baseline="0" cap="none" i="0" spc="0" strike="noStrike" sz="1800" u="none" kumimoji="0" normalizeH="0">
+          <a:defRPr kumimoji="0" sz="1800" b="0" i="0" u="none" strike="noStrike" cap="none" spc="0" normalizeH="0" baseline="0">
             <a:ln>
               <a:noFill/>
             </a:ln>
@@ -6971,7 +7645,7 @@
           <a:buFontTx/>
           <a:buNone/>
           <a:tabLst/>
-          <a:defRPr b="0" baseline="0" cap="none" i="0" spc="0" strike="noStrike" sz="1800" u="none" kumimoji="0" normalizeH="0">
+          <a:defRPr kumimoji="0" sz="1800" b="0" i="0" u="none" strike="noStrike" cap="none" spc="0" normalizeH="0" baseline="0">
             <a:ln>
               <a:noFill/>
             </a:ln>
@@ -6997,7 +7671,7 @@
           <a:buFontTx/>
           <a:buNone/>
           <a:tabLst/>
-          <a:defRPr b="0" baseline="0" cap="none" i="0" spc="0" strike="noStrike" sz="1800" u="none" kumimoji="0" normalizeH="0">
+          <a:defRPr kumimoji="0" sz="1800" b="0" i="0" u="none" strike="noStrike" cap="none" spc="0" normalizeH="0" baseline="0">
             <a:ln>
               <a:noFill/>
             </a:ln>
@@ -7023,7 +7697,7 @@
           <a:buFontTx/>
           <a:buNone/>
           <a:tabLst/>
-          <a:defRPr b="0" baseline="0" cap="none" i="0" spc="0" strike="noStrike" sz="1800" u="none" kumimoji="0" normalizeH="0">
+          <a:defRPr kumimoji="0" sz="1800" b="0" i="0" u="none" strike="noStrike" cap="none" spc="0" normalizeH="0" baseline="0">
             <a:ln>
               <a:noFill/>
             </a:ln>
@@ -7049,7 +7723,7 @@
           <a:buFontTx/>
           <a:buNone/>
           <a:tabLst/>
-          <a:defRPr b="0" baseline="0" cap="none" i="0" spc="0" strike="noStrike" sz="1800" u="none" kumimoji="0" normalizeH="0">
+          <a:defRPr kumimoji="0" sz="1800" b="0" i="0" u="none" strike="noStrike" cap="none" spc="0" normalizeH="0" baseline="0">
             <a:ln>
               <a:noFill/>
             </a:ln>
@@ -7075,7 +7749,7 @@
           <a:buFontTx/>
           <a:buNone/>
           <a:tabLst/>
-          <a:defRPr b="0" baseline="0" cap="none" i="0" spc="0" strike="noStrike" sz="1800" u="none" kumimoji="0" normalizeH="0">
+          <a:defRPr kumimoji="0" sz="1800" b="0" i="0" u="none" strike="noStrike" cap="none" spc="0" normalizeH="0" baseline="0">
             <a:ln>
               <a:noFill/>
             </a:ln>
@@ -7101,7 +7775,7 @@
           <a:buFontTx/>
           <a:buNone/>
           <a:tabLst/>
-          <a:defRPr b="0" baseline="0" cap="none" i="0" spc="0" strike="noStrike" sz="1800" u="none" kumimoji="0" normalizeH="0">
+          <a:defRPr kumimoji="0" sz="1800" b="0" i="0" u="none" strike="noStrike" cap="none" spc="0" normalizeH="0" baseline="0">
             <a:ln>
               <a:noFill/>
             </a:ln>
@@ -7127,7 +7801,7 @@
           <a:buFontTx/>
           <a:buNone/>
           <a:tabLst/>
-          <a:defRPr b="0" baseline="0" cap="none" i="0" spc="0" strike="noStrike" sz="1800" u="none" kumimoji="0" normalizeH="0">
+          <a:defRPr kumimoji="0" sz="1800" b="0" i="0" u="none" strike="noStrike" cap="none" spc="0" normalizeH="0" baseline="0">
             <a:ln>
               <a:noFill/>
             </a:ln>
@@ -7153,7 +7827,7 @@
           <a:buFontTx/>
           <a:buNone/>
           <a:tabLst/>
-          <a:defRPr b="0" baseline="0" cap="none" i="0" spc="0" strike="noStrike" sz="1800" u="none" kumimoji="0" normalizeH="0">
+          <a:defRPr kumimoji="0" sz="1800" b="0" i="0" u="none" strike="noStrike" cap="none" spc="0" normalizeH="0" baseline="0">
             <a:ln>
               <a:noFill/>
             </a:ln>
@@ -7179,7 +7853,7 @@
           <a:buFontTx/>
           <a:buNone/>
           <a:tabLst/>
-          <a:defRPr b="0" baseline="0" cap="none" i="0" spc="0" strike="noStrike" sz="1800" u="none" kumimoji="0" normalizeH="0">
+          <a:defRPr kumimoji="0" sz="1800" b="0" i="0" u="none" strike="noStrike" cap="none" spc="0" normalizeH="0" baseline="0">
             <a:ln>
               <a:noFill/>
             </a:ln>
@@ -7192,9 +7866,15 @@
         </a:lvl9pPr>
       </a:lstStyle>
       <a:style>
-        <a:lnRef idx="0"/>
-        <a:fillRef idx="0"/>
-        <a:effectRef idx="0"/>
+        <a:lnRef idx="0">
+          <a:scrgbClr r="0" g="0" b="0"/>
+        </a:lnRef>
+        <a:fillRef idx="0">
+          <a:scrgbClr r="0" g="0" b="0"/>
+        </a:fillRef>
+        <a:effectRef idx="0">
+          <a:scrgbClr r="0" g="0" b="0"/>
+        </a:effectRef>
         <a:fontRef idx="none"/>
       </a:style>
     </a:lnDef>
@@ -7208,7 +7888,7 @@
         <a:effectLst/>
         <a:sp3d/>
       </a:spPr>
-      <a:bodyPr rot="0" spcFirstLastPara="1" vertOverflow="overflow" horzOverflow="overflow" vert="horz" wrap="square" lIns="45719" tIns="45719" rIns="45719" bIns="45719" numCol="1" spcCol="38100" rtlCol="0" anchor="t" upright="0">
+      <a:bodyPr rot="0" spcFirstLastPara="1" vertOverflow="overflow" horzOverflow="overflow" vert="horz" wrap="square" lIns="45719" tIns="45719" rIns="45719" bIns="45719" numCol="1" spcCol="38100" rtlCol="0" anchor="t">
         <a:spAutoFit/>
       </a:bodyPr>
       <a:lstStyle>
@@ -7227,7 +7907,7 @@
           <a:buFontTx/>
           <a:buNone/>
           <a:tabLst/>
-          <a:defRPr b="0" baseline="0" cap="none" i="0" spc="0" strike="noStrike" sz="1400" u="none" kumimoji="0" normalizeH="0">
+          <a:defRPr kumimoji="0" sz="1400" b="0" i="0" u="none" strike="noStrike" cap="none" spc="0" normalizeH="0" baseline="0">
             <a:ln>
               <a:noFill/>
             </a:ln>
@@ -7257,7 +7937,7 @@
           <a:buFontTx/>
           <a:buNone/>
           <a:tabLst/>
-          <a:defRPr b="0" baseline="0" cap="none" i="0" spc="0" strike="noStrike" sz="1800" u="none" kumimoji="0" normalizeH="0">
+          <a:defRPr kumimoji="0" sz="1800" b="0" i="0" u="none" strike="noStrike" cap="none" spc="0" normalizeH="0" baseline="0">
             <a:ln>
               <a:noFill/>
             </a:ln>
@@ -7283,7 +7963,7 @@
           <a:buFontTx/>
           <a:buNone/>
           <a:tabLst/>
-          <a:defRPr b="0" baseline="0" cap="none" i="0" spc="0" strike="noStrike" sz="1800" u="none" kumimoji="0" normalizeH="0">
+          <a:defRPr kumimoji="0" sz="1800" b="0" i="0" u="none" strike="noStrike" cap="none" spc="0" normalizeH="0" baseline="0">
             <a:ln>
               <a:noFill/>
             </a:ln>
@@ -7309,7 +7989,7 @@
           <a:buFontTx/>
           <a:buNone/>
           <a:tabLst/>
-          <a:defRPr b="0" baseline="0" cap="none" i="0" spc="0" strike="noStrike" sz="1800" u="none" kumimoji="0" normalizeH="0">
+          <a:defRPr kumimoji="0" sz="1800" b="0" i="0" u="none" strike="noStrike" cap="none" spc="0" normalizeH="0" baseline="0">
             <a:ln>
               <a:noFill/>
             </a:ln>
@@ -7335,7 +8015,7 @@
           <a:buFontTx/>
           <a:buNone/>
           <a:tabLst/>
-          <a:defRPr b="0" baseline="0" cap="none" i="0" spc="0" strike="noStrike" sz="1800" u="none" kumimoji="0" normalizeH="0">
+          <a:defRPr kumimoji="0" sz="1800" b="0" i="0" u="none" strike="noStrike" cap="none" spc="0" normalizeH="0" baseline="0">
             <a:ln>
               <a:noFill/>
             </a:ln>
@@ -7361,7 +8041,7 @@
           <a:buFontTx/>
           <a:buNone/>
           <a:tabLst/>
-          <a:defRPr b="0" baseline="0" cap="none" i="0" spc="0" strike="noStrike" sz="1800" u="none" kumimoji="0" normalizeH="0">
+          <a:defRPr kumimoji="0" sz="1800" b="0" i="0" u="none" strike="noStrike" cap="none" spc="0" normalizeH="0" baseline="0">
             <a:ln>
               <a:noFill/>
             </a:ln>
@@ -7387,7 +8067,7 @@
           <a:buFontTx/>
           <a:buNone/>
           <a:tabLst/>
-          <a:defRPr b="0" baseline="0" cap="none" i="0" spc="0" strike="noStrike" sz="1800" u="none" kumimoji="0" normalizeH="0">
+          <a:defRPr kumimoji="0" sz="1800" b="0" i="0" u="none" strike="noStrike" cap="none" spc="0" normalizeH="0" baseline="0">
             <a:ln>
               <a:noFill/>
             </a:ln>
@@ -7413,7 +8093,7 @@
           <a:buFontTx/>
           <a:buNone/>
           <a:tabLst/>
-          <a:defRPr b="0" baseline="0" cap="none" i="0" spc="0" strike="noStrike" sz="1800" u="none" kumimoji="0" normalizeH="0">
+          <a:defRPr kumimoji="0" sz="1800" b="0" i="0" u="none" strike="noStrike" cap="none" spc="0" normalizeH="0" baseline="0">
             <a:ln>
               <a:noFill/>
             </a:ln>
@@ -7439,7 +8119,7 @@
           <a:buFontTx/>
           <a:buNone/>
           <a:tabLst/>
-          <a:defRPr b="0" baseline="0" cap="none" i="0" spc="0" strike="noStrike" sz="1800" u="none" kumimoji="0" normalizeH="0">
+          <a:defRPr kumimoji="0" sz="1800" b="0" i="0" u="none" strike="noStrike" cap="none" spc="0" normalizeH="0" baseline="0">
             <a:ln>
               <a:noFill/>
             </a:ln>
@@ -7465,7 +8145,7 @@
           <a:buFontTx/>
           <a:buNone/>
           <a:tabLst/>
-          <a:defRPr b="0" baseline="0" cap="none" i="0" spc="0" strike="noStrike" sz="1800" u="none" kumimoji="0" normalizeH="0">
+          <a:defRPr kumimoji="0" sz="1800" b="0" i="0" u="none" strike="noStrike" cap="none" spc="0" normalizeH="0" baseline="0">
             <a:ln>
               <a:noFill/>
             </a:ln>
@@ -7478,12 +8158,19 @@
         </a:lvl9pPr>
       </a:lstStyle>
       <a:style>
-        <a:lnRef idx="0"/>
-        <a:fillRef idx="0"/>
-        <a:effectRef idx="0"/>
+        <a:lnRef idx="0">
+          <a:scrgbClr r="0" g="0" b="0"/>
+        </a:lnRef>
+        <a:fillRef idx="0">
+          <a:scrgbClr r="0" g="0" b="0"/>
+        </a:fillRef>
+        <a:effectRef idx="0">
+          <a:scrgbClr r="0" g="0" b="0"/>
+        </a:effectRef>
         <a:fontRef idx="none"/>
       </a:style>
     </a:txDef>
   </a:objectDefaults>
+  <a:extraClrSchemeLst/>
 </a:theme>
 </file>